--- a/CD19CNTT2-NgoXuanTrung.pptx
+++ b/CD19CNTT2-NgoXuanTrung.pptx
@@ -5,7 +5,7 @@
     <p:sldMasterId id="2147483648" r:id="rId1"/>
   </p:sldMasterIdLst>
   <p:notesMasterIdLst>
-    <p:notesMasterId r:id="rId26"/>
+    <p:notesMasterId r:id="rId27"/>
   </p:notesMasterIdLst>
   <p:sldIdLst>
     <p:sldId id="257" r:id="rId2"/>
@@ -16,22 +16,23 @@
     <p:sldId id="262" r:id="rId7"/>
     <p:sldId id="263" r:id="rId8"/>
     <p:sldId id="264" r:id="rId9"/>
-    <p:sldId id="265" r:id="rId10"/>
-    <p:sldId id="266" r:id="rId11"/>
-    <p:sldId id="267" r:id="rId12"/>
-    <p:sldId id="268" r:id="rId13"/>
-    <p:sldId id="269" r:id="rId14"/>
-    <p:sldId id="270" r:id="rId15"/>
-    <p:sldId id="271" r:id="rId16"/>
-    <p:sldId id="272" r:id="rId17"/>
-    <p:sldId id="273" r:id="rId18"/>
-    <p:sldId id="274" r:id="rId19"/>
-    <p:sldId id="275" r:id="rId20"/>
-    <p:sldId id="276" r:id="rId21"/>
-    <p:sldId id="277" r:id="rId22"/>
-    <p:sldId id="278" r:id="rId23"/>
-    <p:sldId id="279" r:id="rId24"/>
-    <p:sldId id="281" r:id="rId25"/>
+    <p:sldId id="282" r:id="rId10"/>
+    <p:sldId id="265" r:id="rId11"/>
+    <p:sldId id="266" r:id="rId12"/>
+    <p:sldId id="267" r:id="rId13"/>
+    <p:sldId id="268" r:id="rId14"/>
+    <p:sldId id="269" r:id="rId15"/>
+    <p:sldId id="270" r:id="rId16"/>
+    <p:sldId id="271" r:id="rId17"/>
+    <p:sldId id="272" r:id="rId18"/>
+    <p:sldId id="273" r:id="rId19"/>
+    <p:sldId id="274" r:id="rId20"/>
+    <p:sldId id="275" r:id="rId21"/>
+    <p:sldId id="276" r:id="rId22"/>
+    <p:sldId id="277" r:id="rId23"/>
+    <p:sldId id="278" r:id="rId24"/>
+    <p:sldId id="279" r:id="rId25"/>
+    <p:sldId id="281" r:id="rId26"/>
   </p:sldIdLst>
   <p:sldSz cx="12192000" cy="6858000"/>
   <p:notesSz cx="6858000" cy="9144000"/>
@@ -234,7 +235,7 @@
           <a:p>
             <a:fld id="{B9205E6E-9268-4112-BA91-9B80BFCA0DFF}" type="datetimeFigureOut">
               <a:rPr lang="en-US" smtClean="0"/>
-              <a:t>7/23/2022</a:t>
+              <a:t>8/6/2022</a:t>
             </a:fld>
             <a:endParaRPr lang="en-US"/>
           </a:p>
@@ -660,7 +661,7 @@
     </p:spTree>
     <p:extLst>
       <p:ext uri="{BB962C8B-B14F-4D97-AF65-F5344CB8AC3E}">
-        <p14:creationId xmlns:p14="http://schemas.microsoft.com/office/powerpoint/2010/main" val="2545231593"/>
+        <p14:creationId xmlns:p14="http://schemas.microsoft.com/office/powerpoint/2010/main" val="2793612131"/>
       </p:ext>
     </p:extLst>
   </p:cSld>
@@ -744,7 +745,7 @@
     </p:spTree>
     <p:extLst>
       <p:ext uri="{BB962C8B-B14F-4D97-AF65-F5344CB8AC3E}">
-        <p14:creationId xmlns:p14="http://schemas.microsoft.com/office/powerpoint/2010/main" val="2815198365"/>
+        <p14:creationId xmlns:p14="http://schemas.microsoft.com/office/powerpoint/2010/main" val="2545231593"/>
       </p:ext>
     </p:extLst>
   </p:cSld>
@@ -828,7 +829,7 @@
     </p:spTree>
     <p:extLst>
       <p:ext uri="{BB962C8B-B14F-4D97-AF65-F5344CB8AC3E}">
-        <p14:creationId xmlns:p14="http://schemas.microsoft.com/office/powerpoint/2010/main" val="4213628624"/>
+        <p14:creationId xmlns:p14="http://schemas.microsoft.com/office/powerpoint/2010/main" val="2815198365"/>
       </p:ext>
     </p:extLst>
   </p:cSld>
@@ -912,7 +913,7 @@
     </p:spTree>
     <p:extLst>
       <p:ext uri="{BB962C8B-B14F-4D97-AF65-F5344CB8AC3E}">
-        <p14:creationId xmlns:p14="http://schemas.microsoft.com/office/powerpoint/2010/main" val="100483887"/>
+        <p14:creationId xmlns:p14="http://schemas.microsoft.com/office/powerpoint/2010/main" val="4213628624"/>
       </p:ext>
     </p:extLst>
   </p:cSld>
@@ -996,7 +997,7 @@
     </p:spTree>
     <p:extLst>
       <p:ext uri="{BB962C8B-B14F-4D97-AF65-F5344CB8AC3E}">
-        <p14:creationId xmlns:p14="http://schemas.microsoft.com/office/powerpoint/2010/main" val="1761449554"/>
+        <p14:creationId xmlns:p14="http://schemas.microsoft.com/office/powerpoint/2010/main" val="100483887"/>
       </p:ext>
     </p:extLst>
   </p:cSld>
@@ -1080,7 +1081,7 @@
     </p:spTree>
     <p:extLst>
       <p:ext uri="{BB962C8B-B14F-4D97-AF65-F5344CB8AC3E}">
-        <p14:creationId xmlns:p14="http://schemas.microsoft.com/office/powerpoint/2010/main" val="3603114131"/>
+        <p14:creationId xmlns:p14="http://schemas.microsoft.com/office/powerpoint/2010/main" val="1761449554"/>
       </p:ext>
     </p:extLst>
   </p:cSld>
@@ -1164,7 +1165,7 @@
     </p:spTree>
     <p:extLst>
       <p:ext uri="{BB962C8B-B14F-4D97-AF65-F5344CB8AC3E}">
-        <p14:creationId xmlns:p14="http://schemas.microsoft.com/office/powerpoint/2010/main" val="659803605"/>
+        <p14:creationId xmlns:p14="http://schemas.microsoft.com/office/powerpoint/2010/main" val="3603114131"/>
       </p:ext>
     </p:extLst>
   </p:cSld>
@@ -1248,7 +1249,7 @@
     </p:spTree>
     <p:extLst>
       <p:ext uri="{BB962C8B-B14F-4D97-AF65-F5344CB8AC3E}">
-        <p14:creationId xmlns:p14="http://schemas.microsoft.com/office/powerpoint/2010/main" val="4231178654"/>
+        <p14:creationId xmlns:p14="http://schemas.microsoft.com/office/powerpoint/2010/main" val="659803605"/>
       </p:ext>
     </p:extLst>
   </p:cSld>
@@ -1332,7 +1333,7 @@
     </p:spTree>
     <p:extLst>
       <p:ext uri="{BB962C8B-B14F-4D97-AF65-F5344CB8AC3E}">
-        <p14:creationId xmlns:p14="http://schemas.microsoft.com/office/powerpoint/2010/main" val="2769509665"/>
+        <p14:creationId xmlns:p14="http://schemas.microsoft.com/office/powerpoint/2010/main" val="4231178654"/>
       </p:ext>
     </p:extLst>
   </p:cSld>
@@ -1416,7 +1417,7 @@
     </p:spTree>
     <p:extLst>
       <p:ext uri="{BB962C8B-B14F-4D97-AF65-F5344CB8AC3E}">
-        <p14:creationId xmlns:p14="http://schemas.microsoft.com/office/powerpoint/2010/main" val="553086622"/>
+        <p14:creationId xmlns:p14="http://schemas.microsoft.com/office/powerpoint/2010/main" val="2769509665"/>
       </p:ext>
     </p:extLst>
   </p:cSld>
@@ -1584,7 +1585,7 @@
     </p:spTree>
     <p:extLst>
       <p:ext uri="{BB962C8B-B14F-4D97-AF65-F5344CB8AC3E}">
-        <p14:creationId xmlns:p14="http://schemas.microsoft.com/office/powerpoint/2010/main" val="2265049816"/>
+        <p14:creationId xmlns:p14="http://schemas.microsoft.com/office/powerpoint/2010/main" val="553086622"/>
       </p:ext>
     </p:extLst>
   </p:cSld>
@@ -1668,7 +1669,7 @@
     </p:spTree>
     <p:extLst>
       <p:ext uri="{BB962C8B-B14F-4D97-AF65-F5344CB8AC3E}">
-        <p14:creationId xmlns:p14="http://schemas.microsoft.com/office/powerpoint/2010/main" val="4211122207"/>
+        <p14:creationId xmlns:p14="http://schemas.microsoft.com/office/powerpoint/2010/main" val="2265049816"/>
       </p:ext>
     </p:extLst>
   </p:cSld>
@@ -1752,7 +1753,7 @@
     </p:spTree>
     <p:extLst>
       <p:ext uri="{BB962C8B-B14F-4D97-AF65-F5344CB8AC3E}">
-        <p14:creationId xmlns:p14="http://schemas.microsoft.com/office/powerpoint/2010/main" val="3687301939"/>
+        <p14:creationId xmlns:p14="http://schemas.microsoft.com/office/powerpoint/2010/main" val="4211122207"/>
       </p:ext>
     </p:extLst>
   </p:cSld>
@@ -1828,6 +1829,90 @@
             <a:fld id="{13CA7AB7-8AC3-452B-B49F-63CD1C4F92EF}" type="slidenum">
               <a:rPr lang="en-US" smtClean="0"/>
               <a:t>24</a:t>
+            </a:fld>
+            <a:endParaRPr lang="en-US"/>
+          </a:p>
+        </p:txBody>
+      </p:sp>
+    </p:spTree>
+    <p:extLst>
+      <p:ext uri="{BB962C8B-B14F-4D97-AF65-F5344CB8AC3E}">
+        <p14:creationId xmlns:p14="http://schemas.microsoft.com/office/powerpoint/2010/main" val="3687301939"/>
+      </p:ext>
+    </p:extLst>
+  </p:cSld>
+  <p:clrMapOvr>
+    <a:masterClrMapping/>
+  </p:clrMapOvr>
+</p:notes>
+</file>
+
+<file path=ppt/notesSlides/notesSlide24.xml><?xml version="1.0" encoding="utf-8"?>
+<p:notes xmlns:a="http://schemas.openxmlformats.org/drawingml/2006/main" xmlns:r="http://schemas.openxmlformats.org/officeDocument/2006/relationships" xmlns:p="http://schemas.openxmlformats.org/presentationml/2006/main">
+  <p:cSld>
+    <p:spTree>
+      <p:nvGrpSpPr>
+        <p:cNvPr id="1" name=""/>
+        <p:cNvGrpSpPr/>
+        <p:nvPr/>
+      </p:nvGrpSpPr>
+      <p:grpSpPr>
+        <a:xfrm>
+          <a:off x="0" y="0"/>
+          <a:ext cx="0" cy="0"/>
+          <a:chOff x="0" y="0"/>
+          <a:chExt cx="0" cy="0"/>
+        </a:xfrm>
+      </p:grpSpPr>
+      <p:sp>
+        <p:nvSpPr>
+          <p:cNvPr id="2" name="Slide Image Placeholder 1"/>
+          <p:cNvSpPr>
+            <a:spLocks noGrp="1" noRot="1" noChangeAspect="1"/>
+          </p:cNvSpPr>
+          <p:nvPr>
+            <p:ph type="sldImg"/>
+          </p:nvPr>
+        </p:nvSpPr>
+        <p:spPr/>
+      </p:sp>
+      <p:sp>
+        <p:nvSpPr>
+          <p:cNvPr id="3" name="Notes Placeholder 2"/>
+          <p:cNvSpPr>
+            <a:spLocks noGrp="1"/>
+          </p:cNvSpPr>
+          <p:nvPr>
+            <p:ph type="body" idx="1"/>
+          </p:nvPr>
+        </p:nvSpPr>
+        <p:spPr/>
+        <p:txBody>
+          <a:bodyPr/>
+          <a:lstStyle/>
+          <a:p>
+            <a:endParaRPr lang="en-US"/>
+          </a:p>
+        </p:txBody>
+      </p:sp>
+      <p:sp>
+        <p:nvSpPr>
+          <p:cNvPr id="4" name="Slide Number Placeholder 3"/>
+          <p:cNvSpPr>
+            <a:spLocks noGrp="1"/>
+          </p:cNvSpPr>
+          <p:nvPr>
+            <p:ph type="sldNum" sz="quarter" idx="10"/>
+          </p:nvPr>
+        </p:nvSpPr>
+        <p:spPr/>
+        <p:txBody>
+          <a:bodyPr/>
+          <a:lstStyle/>
+          <a:p>
+            <a:fld id="{13CA7AB7-8AC3-452B-B49F-63CD1C4F92EF}" type="slidenum">
+              <a:rPr lang="en-US" smtClean="0"/>
+              <a:t>25</a:t>
             </a:fld>
             <a:endParaRPr lang="en-US"/>
           </a:p>
@@ -2340,7 +2425,7 @@
     </p:spTree>
     <p:extLst>
       <p:ext uri="{BB962C8B-B14F-4D97-AF65-F5344CB8AC3E}">
-        <p14:creationId xmlns:p14="http://schemas.microsoft.com/office/powerpoint/2010/main" val="199159661"/>
+        <p14:creationId xmlns:p14="http://schemas.microsoft.com/office/powerpoint/2010/main" val="1320553065"/>
       </p:ext>
     </p:extLst>
   </p:cSld>
@@ -2424,7 +2509,7 @@
     </p:spTree>
     <p:extLst>
       <p:ext uri="{BB962C8B-B14F-4D97-AF65-F5344CB8AC3E}">
-        <p14:creationId xmlns:p14="http://schemas.microsoft.com/office/powerpoint/2010/main" val="2793612131"/>
+        <p14:creationId xmlns:p14="http://schemas.microsoft.com/office/powerpoint/2010/main" val="199159661"/>
       </p:ext>
     </p:extLst>
   </p:cSld>
@@ -2565,7 +2650,7 @@
           <a:p>
             <a:fld id="{A13B956D-72AD-45A2-8171-D780678DD726}" type="datetimeFigureOut">
               <a:rPr lang="en-US" smtClean="0"/>
-              <a:t>7/23/2022</a:t>
+              <a:t>8/6/2022</a:t>
             </a:fld>
             <a:endParaRPr lang="en-US"/>
           </a:p>
@@ -2738,7 +2823,7 @@
           <a:p>
             <a:fld id="{A13B956D-72AD-45A2-8171-D780678DD726}" type="datetimeFigureOut">
               <a:rPr lang="en-US" smtClean="0"/>
-              <a:t>7/23/2022</a:t>
+              <a:t>8/6/2022</a:t>
             </a:fld>
             <a:endParaRPr lang="en-US"/>
           </a:p>
@@ -2921,7 +3006,7 @@
           <a:p>
             <a:fld id="{A13B956D-72AD-45A2-8171-D780678DD726}" type="datetimeFigureOut">
               <a:rPr lang="en-US" smtClean="0"/>
-              <a:t>7/23/2022</a:t>
+              <a:t>8/6/2022</a:t>
             </a:fld>
             <a:endParaRPr lang="en-US"/>
           </a:p>
@@ -3094,7 +3179,7 @@
           <a:p>
             <a:fld id="{A13B956D-72AD-45A2-8171-D780678DD726}" type="datetimeFigureOut">
               <a:rPr lang="en-US" smtClean="0"/>
-              <a:t>7/23/2022</a:t>
+              <a:t>8/6/2022</a:t>
             </a:fld>
             <a:endParaRPr lang="en-US"/>
           </a:p>
@@ -3343,7 +3428,7 @@
           <a:p>
             <a:fld id="{A13B956D-72AD-45A2-8171-D780678DD726}" type="datetimeFigureOut">
               <a:rPr lang="en-US" smtClean="0"/>
-              <a:t>7/23/2022</a:t>
+              <a:t>8/6/2022</a:t>
             </a:fld>
             <a:endParaRPr lang="en-US"/>
           </a:p>
@@ -3578,7 +3663,7 @@
           <a:p>
             <a:fld id="{A13B956D-72AD-45A2-8171-D780678DD726}" type="datetimeFigureOut">
               <a:rPr lang="en-US" smtClean="0"/>
-              <a:t>7/23/2022</a:t>
+              <a:t>8/6/2022</a:t>
             </a:fld>
             <a:endParaRPr lang="en-US"/>
           </a:p>
@@ -3948,7 +4033,7 @@
           <a:p>
             <a:fld id="{A13B956D-72AD-45A2-8171-D780678DD726}" type="datetimeFigureOut">
               <a:rPr lang="en-US" smtClean="0"/>
-              <a:t>7/23/2022</a:t>
+              <a:t>8/6/2022</a:t>
             </a:fld>
             <a:endParaRPr lang="en-US"/>
           </a:p>
@@ -4069,7 +4154,7 @@
           <a:p>
             <a:fld id="{A13B956D-72AD-45A2-8171-D780678DD726}" type="datetimeFigureOut">
               <a:rPr lang="en-US" smtClean="0"/>
-              <a:t>7/23/2022</a:t>
+              <a:t>8/6/2022</a:t>
             </a:fld>
             <a:endParaRPr lang="en-US"/>
           </a:p>
@@ -4167,7 +4252,7 @@
           <a:p>
             <a:fld id="{A13B956D-72AD-45A2-8171-D780678DD726}" type="datetimeFigureOut">
               <a:rPr lang="en-US" smtClean="0"/>
-              <a:t>7/23/2022</a:t>
+              <a:t>8/6/2022</a:t>
             </a:fld>
             <a:endParaRPr lang="en-US"/>
           </a:p>
@@ -4447,7 +4532,7 @@
           <a:p>
             <a:fld id="{A13B956D-72AD-45A2-8171-D780678DD726}" type="datetimeFigureOut">
               <a:rPr lang="en-US" smtClean="0"/>
-              <a:t>7/23/2022</a:t>
+              <a:t>8/6/2022</a:t>
             </a:fld>
             <a:endParaRPr lang="en-US"/>
           </a:p>
@@ -4703,7 +4788,7 @@
           <a:p>
             <a:fld id="{A13B956D-72AD-45A2-8171-D780678DD726}" type="datetimeFigureOut">
               <a:rPr lang="en-US" smtClean="0"/>
-              <a:t>7/23/2022</a:t>
+              <a:t>8/6/2022</a:t>
             </a:fld>
             <a:endParaRPr lang="en-US"/>
           </a:p>
@@ -4919,7 +5004,7 @@
           <a:p>
             <a:fld id="{A13B956D-72AD-45A2-8171-D780678DD726}" type="datetimeFigureOut">
               <a:rPr lang="en-US" smtClean="0"/>
-              <a:t>7/23/2022</a:t>
+              <a:t>8/6/2022</a:t>
             </a:fld>
             <a:endParaRPr lang="en-US"/>
           </a:p>
@@ -6402,6 +6487,406 @@
           <p:spPr>
             <a:xfrm>
               <a:off x="886061" y="353996"/>
+              <a:ext cx="10214557" cy="560058"/>
+            </a:xfrm>
+            <a:prstGeom prst="rect">
+              <a:avLst/>
+            </a:prstGeom>
+            <a:noFill/>
+          </p:spPr>
+          <p:txBody>
+            <a:bodyPr wrap="square" rtlCol="0">
+              <a:spAutoFit/>
+            </a:bodyPr>
+            <a:lstStyle/>
+            <a:p>
+              <a:r>
+                <a:rPr lang="en-US" sz="4000" b="1" dirty="0" smtClean="0">
+                  <a:solidFill>
+                    <a:schemeClr val="accent2">
+                      <a:lumMod val="75000"/>
+                    </a:schemeClr>
+                  </a:solidFill>
+                </a:rPr>
+                <a:t>6. Sơ đồ cơ sở dữ liệu</a:t>
+              </a:r>
+              <a:endParaRPr lang="en-US" sz="4000" b="1" dirty="0">
+                <a:solidFill>
+                  <a:schemeClr val="accent2">
+                    <a:lumMod val="75000"/>
+                  </a:schemeClr>
+                </a:solidFill>
+              </a:endParaRPr>
+            </a:p>
+          </p:txBody>
+        </p:sp>
+      </p:grpSp>
+      <p:grpSp>
+        <p:nvGrpSpPr>
+          <p:cNvPr id="5" name="Group 4"/>
+          <p:cNvGrpSpPr/>
+          <p:nvPr/>
+        </p:nvGrpSpPr>
+        <p:grpSpPr>
+          <a:xfrm>
+            <a:off x="1004050" y="1061882"/>
+            <a:ext cx="10096568" cy="5604044"/>
+            <a:chOff x="1004050" y="1061882"/>
+            <a:chExt cx="10096568" cy="5099621"/>
+          </a:xfrm>
+        </p:grpSpPr>
+        <p:pic>
+          <p:nvPicPr>
+            <p:cNvPr id="3" name="Picture 2"/>
+            <p:cNvPicPr>
+              <a:picLocks noChangeAspect="1"/>
+            </p:cNvPicPr>
+            <p:nvPr/>
+          </p:nvPicPr>
+          <p:blipFill>
+            <a:blip r:embed="rId3">
+              <a:extLst>
+                <a:ext uri="{28A0092B-C50C-407E-A947-70E740481C1C}">
+                  <a14:useLocalDpi xmlns:a14="http://schemas.microsoft.com/office/drawing/2010/main" val="0"/>
+                </a:ext>
+              </a:extLst>
+            </a:blip>
+            <a:stretch>
+              <a:fillRect/>
+            </a:stretch>
+          </p:blipFill>
+          <p:spPr>
+            <a:xfrm>
+              <a:off x="1004050" y="1061882"/>
+              <a:ext cx="10096568" cy="4726176"/>
+            </a:xfrm>
+            <a:prstGeom prst="rect">
+              <a:avLst/>
+            </a:prstGeom>
+          </p:spPr>
+        </p:pic>
+        <p:sp>
+          <p:nvSpPr>
+            <p:cNvPr id="14" name="TextBox 13"/>
+            <p:cNvSpPr txBox="1"/>
+            <p:nvPr/>
+          </p:nvSpPr>
+          <p:spPr>
+            <a:xfrm>
+              <a:off x="4464957" y="5825415"/>
+              <a:ext cx="2893421" cy="336088"/>
+            </a:xfrm>
+            <a:prstGeom prst="rect">
+              <a:avLst/>
+            </a:prstGeom>
+            <a:noFill/>
+          </p:spPr>
+          <p:txBody>
+            <a:bodyPr wrap="none" rtlCol="0">
+              <a:spAutoFit/>
+            </a:bodyPr>
+            <a:lstStyle/>
+            <a:p>
+              <a:pPr algn="ctr"/>
+              <a:r>
+                <a:rPr lang="en-US" dirty="0" smtClean="0"/>
+                <a:t>Hình </a:t>
+              </a:r>
+              <a:r>
+                <a:rPr lang="en-US" dirty="0" smtClean="0"/>
+                <a:t>2.6: </a:t>
+              </a:r>
+              <a:r>
+                <a:rPr lang="en-US" dirty="0" smtClean="0"/>
+                <a:t>Sơ đồ cơ sở dữ liệu</a:t>
+              </a:r>
+              <a:endParaRPr lang="en-US" dirty="0"/>
+            </a:p>
+          </p:txBody>
+        </p:sp>
+      </p:grpSp>
+    </p:spTree>
+    <p:extLst>
+      <p:ext uri="{BB962C8B-B14F-4D97-AF65-F5344CB8AC3E}">
+        <p14:creationId xmlns:p14="http://schemas.microsoft.com/office/powerpoint/2010/main" val="1759246604"/>
+      </p:ext>
+    </p:extLst>
+  </p:cSld>
+  <p:clrMapOvr>
+    <a:masterClrMapping/>
+  </p:clrMapOvr>
+  <p:transition>
+    <p:split orient="vert"/>
+  </p:transition>
+  <p:timing>
+    <p:tnLst>
+      <p:par>
+        <p:cTn id="1" dur="indefinite" restart="never" nodeType="tmRoot">
+          <p:childTnLst>
+            <p:seq concurrent="1" nextAc="seek">
+              <p:cTn id="2" dur="indefinite" nodeType="mainSeq">
+                <p:childTnLst>
+                  <p:par>
+                    <p:cTn id="3" fill="hold">
+                      <p:stCondLst>
+                        <p:cond delay="indefinite"/>
+                      </p:stCondLst>
+                      <p:childTnLst>
+                        <p:par>
+                          <p:cTn id="4" fill="hold">
+                            <p:stCondLst>
+                              <p:cond delay="0"/>
+                            </p:stCondLst>
+                            <p:childTnLst>
+                              <p:par>
+                                <p:cTn id="5" presetID="16" presetClass="entr" presetSubtype="37" fill="hold" nodeType="clickEffect">
+                                  <p:stCondLst>
+                                    <p:cond delay="0"/>
+                                  </p:stCondLst>
+                                  <p:childTnLst>
+                                    <p:set>
+                                      <p:cBhvr>
+                                        <p:cTn id="6" dur="1" fill="hold">
+                                          <p:stCondLst>
+                                            <p:cond delay="0"/>
+                                          </p:stCondLst>
+                                        </p:cTn>
+                                        <p:tgtEl>
+                                          <p:spTgt spid="13"/>
+                                        </p:tgtEl>
+                                        <p:attrNameLst>
+                                          <p:attrName>style.visibility</p:attrName>
+                                        </p:attrNameLst>
+                                      </p:cBhvr>
+                                      <p:to>
+                                        <p:strVal val="visible"/>
+                                      </p:to>
+                                    </p:set>
+                                    <p:animEffect transition="in" filter="barn(outVertical)">
+                                      <p:cBhvr>
+                                        <p:cTn id="7" dur="500"/>
+                                        <p:tgtEl>
+                                          <p:spTgt spid="13"/>
+                                        </p:tgtEl>
+                                      </p:cBhvr>
+                                    </p:animEffect>
+                                  </p:childTnLst>
+                                </p:cTn>
+                              </p:par>
+                            </p:childTnLst>
+                          </p:cTn>
+                        </p:par>
+                      </p:childTnLst>
+                    </p:cTn>
+                  </p:par>
+                  <p:par>
+                    <p:cTn id="8" fill="hold">
+                      <p:stCondLst>
+                        <p:cond delay="indefinite"/>
+                      </p:stCondLst>
+                      <p:childTnLst>
+                        <p:par>
+                          <p:cTn id="9" fill="hold">
+                            <p:stCondLst>
+                              <p:cond delay="0"/>
+                            </p:stCondLst>
+                            <p:childTnLst>
+                              <p:par>
+                                <p:cTn id="10" presetID="14" presetClass="entr" presetSubtype="10" fill="hold" nodeType="clickEffect">
+                                  <p:stCondLst>
+                                    <p:cond delay="0"/>
+                                  </p:stCondLst>
+                                  <p:childTnLst>
+                                    <p:set>
+                                      <p:cBhvr>
+                                        <p:cTn id="11" dur="1" fill="hold">
+                                          <p:stCondLst>
+                                            <p:cond delay="0"/>
+                                          </p:stCondLst>
+                                        </p:cTn>
+                                        <p:tgtEl>
+                                          <p:spTgt spid="5"/>
+                                        </p:tgtEl>
+                                        <p:attrNameLst>
+                                          <p:attrName>style.visibility</p:attrName>
+                                        </p:attrNameLst>
+                                      </p:cBhvr>
+                                      <p:to>
+                                        <p:strVal val="visible"/>
+                                      </p:to>
+                                    </p:set>
+                                    <p:animEffect transition="in" filter="randombar(horizontal)">
+                                      <p:cBhvr>
+                                        <p:cTn id="12" dur="500"/>
+                                        <p:tgtEl>
+                                          <p:spTgt spid="5"/>
+                                        </p:tgtEl>
+                                      </p:cBhvr>
+                                    </p:animEffect>
+                                  </p:childTnLst>
+                                </p:cTn>
+                              </p:par>
+                            </p:childTnLst>
+                          </p:cTn>
+                        </p:par>
+                      </p:childTnLst>
+                    </p:cTn>
+                  </p:par>
+                </p:childTnLst>
+              </p:cTn>
+              <p:prevCondLst>
+                <p:cond evt="onPrev" delay="0">
+                  <p:tgtEl>
+                    <p:sldTgt/>
+                  </p:tgtEl>
+                </p:cond>
+              </p:prevCondLst>
+              <p:nextCondLst>
+                <p:cond evt="onNext" delay="0">
+                  <p:tgtEl>
+                    <p:sldTgt/>
+                  </p:tgtEl>
+                </p:cond>
+              </p:nextCondLst>
+            </p:seq>
+          </p:childTnLst>
+        </p:cTn>
+      </p:par>
+    </p:tnLst>
+  </p:timing>
+</p:sld>
+</file>
+
+<file path=ppt/slides/slide11.xml><?xml version="1.0" encoding="utf-8"?>
+<p:sld xmlns:a="http://schemas.openxmlformats.org/drawingml/2006/main" xmlns:r="http://schemas.openxmlformats.org/officeDocument/2006/relationships" xmlns:p="http://schemas.openxmlformats.org/presentationml/2006/main">
+  <p:cSld>
+    <p:spTree>
+      <p:nvGrpSpPr>
+        <p:cNvPr id="1" name=""/>
+        <p:cNvGrpSpPr/>
+        <p:nvPr/>
+      </p:nvGrpSpPr>
+      <p:grpSpPr>
+        <a:xfrm>
+          <a:off x="0" y="0"/>
+          <a:ext cx="0" cy="0"/>
+          <a:chOff x="0" y="0"/>
+          <a:chExt cx="0" cy="0"/>
+        </a:xfrm>
+      </p:grpSpPr>
+      <p:grpSp>
+        <p:nvGrpSpPr>
+          <p:cNvPr id="13" name="Group 12"/>
+          <p:cNvGrpSpPr/>
+          <p:nvPr/>
+        </p:nvGrpSpPr>
+        <p:grpSpPr>
+          <a:xfrm>
+            <a:off x="886061" y="167148"/>
+            <a:ext cx="10214557" cy="894734"/>
+            <a:chOff x="886061" y="353996"/>
+            <a:chExt cx="10214557" cy="707886"/>
+          </a:xfrm>
+        </p:grpSpPr>
+        <p:grpSp>
+          <p:nvGrpSpPr>
+            <p:cNvPr id="11" name="Group 10"/>
+            <p:cNvGrpSpPr/>
+            <p:nvPr/>
+          </p:nvGrpSpPr>
+          <p:grpSpPr>
+            <a:xfrm>
+              <a:off x="1004050" y="924232"/>
+              <a:ext cx="10096568" cy="137650"/>
+              <a:chOff x="1033548" y="452284"/>
+              <a:chExt cx="10096568" cy="137650"/>
+            </a:xfrm>
+          </p:grpSpPr>
+          <p:sp>
+            <p:nvSpPr>
+              <p:cNvPr id="4" name="Rectangle 3"/>
+              <p:cNvSpPr/>
+              <p:nvPr/>
+            </p:nvSpPr>
+            <p:spPr>
+              <a:xfrm>
+                <a:off x="1033548" y="452284"/>
+                <a:ext cx="10096568" cy="91794"/>
+              </a:xfrm>
+              <a:prstGeom prst="rect">
+                <a:avLst/>
+              </a:prstGeom>
+              <a:solidFill>
+                <a:schemeClr val="accent2"/>
+              </a:solidFill>
+              <a:ln>
+                <a:noFill/>
+              </a:ln>
+            </p:spPr>
+            <p:style>
+              <a:lnRef idx="2">
+                <a:schemeClr val="accent2">
+                  <a:shade val="50000"/>
+                </a:schemeClr>
+              </a:lnRef>
+              <a:fillRef idx="1">
+                <a:schemeClr val="accent2"/>
+              </a:fillRef>
+              <a:effectRef idx="0">
+                <a:schemeClr val="accent2"/>
+              </a:effectRef>
+              <a:fontRef idx="minor">
+                <a:schemeClr val="lt1"/>
+              </a:fontRef>
+            </p:style>
+            <p:txBody>
+              <a:bodyPr rtlCol="0" anchor="ctr"/>
+              <a:lstStyle/>
+              <a:p>
+                <a:endParaRPr lang="en-US" dirty="0"/>
+              </a:p>
+            </p:txBody>
+          </p:sp>
+          <p:cxnSp>
+            <p:nvCxnSpPr>
+              <p:cNvPr id="7" name="Straight Connector 6"/>
+              <p:cNvCxnSpPr/>
+              <p:nvPr/>
+            </p:nvCxnSpPr>
+            <p:spPr>
+              <a:xfrm flipV="1">
+                <a:off x="1033548" y="570269"/>
+                <a:ext cx="10096568" cy="19665"/>
+              </a:xfrm>
+              <a:prstGeom prst="line">
+                <a:avLst/>
+              </a:prstGeom>
+            </p:spPr>
+            <p:style>
+              <a:lnRef idx="1">
+                <a:schemeClr val="accent2"/>
+              </a:lnRef>
+              <a:fillRef idx="0">
+                <a:schemeClr val="accent2"/>
+              </a:fillRef>
+              <a:effectRef idx="0">
+                <a:schemeClr val="accent2"/>
+              </a:effectRef>
+              <a:fontRef idx="minor">
+                <a:schemeClr val="tx1"/>
+              </a:fontRef>
+            </p:style>
+          </p:cxnSp>
+        </p:grpSp>
+        <p:sp>
+          <p:nvSpPr>
+            <p:cNvPr id="12" name="TextBox 11"/>
+            <p:cNvSpPr txBox="1"/>
+            <p:nvPr/>
+          </p:nvSpPr>
+          <p:spPr>
+            <a:xfrm>
+              <a:off x="886061" y="353996"/>
               <a:ext cx="4698661" cy="560058"/>
             </a:xfrm>
             <a:prstGeom prst="rect">
@@ -7385,7 +7870,7 @@
 </p:sld>
 </file>
 
-<file path=ppt/slides/slide11.xml><?xml version="1.0" encoding="utf-8"?>
+<file path=ppt/slides/slide12.xml><?xml version="1.0" encoding="utf-8"?>
 <p:sld xmlns:a="http://schemas.openxmlformats.org/drawingml/2006/main" xmlns:r="http://schemas.openxmlformats.org/officeDocument/2006/relationships" xmlns:p="http://schemas.openxmlformats.org/presentationml/2006/main">
   <p:cSld>
     <p:spTree>
@@ -10182,7 +10667,7 @@
 </p:sld>
 </file>
 
-<file path=ppt/slides/slide12.xml><?xml version="1.0" encoding="utf-8"?>
+<file path=ppt/slides/slide13.xml><?xml version="1.0" encoding="utf-8"?>
 <p:sld xmlns:a="http://schemas.openxmlformats.org/drawingml/2006/main" xmlns:r="http://schemas.openxmlformats.org/officeDocument/2006/relationships" xmlns:p="http://schemas.openxmlformats.org/presentationml/2006/main">
   <p:cSld>
     <p:spTree>
@@ -10610,7 +11095,7 @@
 </p:sld>
 </file>
 
-<file path=ppt/slides/slide13.xml><?xml version="1.0" encoding="utf-8"?>
+<file path=ppt/slides/slide14.xml><?xml version="1.0" encoding="utf-8"?>
 <p:sld xmlns:a="http://schemas.openxmlformats.org/drawingml/2006/main" xmlns:r="http://schemas.openxmlformats.org/officeDocument/2006/relationships" xmlns:p="http://schemas.openxmlformats.org/presentationml/2006/main">
   <p:cSld>
     <p:spTree>
@@ -10985,7 +11470,7 @@
 </p:sld>
 </file>
 
-<file path=ppt/slides/slide14.xml><?xml version="1.0" encoding="utf-8"?>
+<file path=ppt/slides/slide15.xml><?xml version="1.0" encoding="utf-8"?>
 <p:sld xmlns:a="http://schemas.openxmlformats.org/drawingml/2006/main" xmlns:r="http://schemas.openxmlformats.org/officeDocument/2006/relationships" xmlns:p="http://schemas.openxmlformats.org/presentationml/2006/main">
   <p:cSld>
     <p:spTree>
@@ -11360,7 +11845,7 @@
 </p:sld>
 </file>
 
-<file path=ppt/slides/slide15.xml><?xml version="1.0" encoding="utf-8"?>
+<file path=ppt/slides/slide16.xml><?xml version="1.0" encoding="utf-8"?>
 <p:sld xmlns:a="http://schemas.openxmlformats.org/drawingml/2006/main" xmlns:r="http://schemas.openxmlformats.org/officeDocument/2006/relationships" xmlns:p="http://schemas.openxmlformats.org/presentationml/2006/main">
   <p:cSld>
     <p:spTree>
@@ -11735,7 +12220,7 @@
 </p:sld>
 </file>
 
-<file path=ppt/slides/slide16.xml><?xml version="1.0" encoding="utf-8"?>
+<file path=ppt/slides/slide17.xml><?xml version="1.0" encoding="utf-8"?>
 <p:sld xmlns:a="http://schemas.openxmlformats.org/drawingml/2006/main" xmlns:r="http://schemas.openxmlformats.org/officeDocument/2006/relationships" xmlns:p="http://schemas.openxmlformats.org/presentationml/2006/main">
   <p:cSld>
     <p:spTree>
@@ -12110,7 +12595,7 @@
 </p:sld>
 </file>
 
-<file path=ppt/slides/slide17.xml><?xml version="1.0" encoding="utf-8"?>
+<file path=ppt/slides/slide18.xml><?xml version="1.0" encoding="utf-8"?>
 <p:sld xmlns:a="http://schemas.openxmlformats.org/drawingml/2006/main" xmlns:r="http://schemas.openxmlformats.org/officeDocument/2006/relationships" xmlns:p="http://schemas.openxmlformats.org/presentationml/2006/main">
   <p:cSld>
     <p:spTree>
@@ -12485,7 +12970,7 @@
 </p:sld>
 </file>
 
-<file path=ppt/slides/slide18.xml><?xml version="1.0" encoding="utf-8"?>
+<file path=ppt/slides/slide19.xml><?xml version="1.0" encoding="utf-8"?>
 <p:sld xmlns:a="http://schemas.openxmlformats.org/drawingml/2006/main" xmlns:r="http://schemas.openxmlformats.org/officeDocument/2006/relationships" xmlns:p="http://schemas.openxmlformats.org/presentationml/2006/main">
   <p:cSld>
     <p:spTree>
@@ -12726,380 +13211,6 @@
     <p:extLst>
       <p:ext uri="{BB962C8B-B14F-4D97-AF65-F5344CB8AC3E}">
         <p14:creationId xmlns:p14="http://schemas.microsoft.com/office/powerpoint/2010/main" val="973963054"/>
-      </p:ext>
-    </p:extLst>
-  </p:cSld>
-  <p:clrMapOvr>
-    <a:masterClrMapping/>
-  </p:clrMapOvr>
-  <p:transition>
-    <p:split orient="vert"/>
-  </p:transition>
-  <p:timing>
-    <p:tnLst>
-      <p:par>
-        <p:cTn id="1" dur="indefinite" restart="never" nodeType="tmRoot">
-          <p:childTnLst>
-            <p:seq concurrent="1" nextAc="seek">
-              <p:cTn id="2" dur="indefinite" nodeType="mainSeq">
-                <p:childTnLst>
-                  <p:par>
-                    <p:cTn id="3" fill="hold">
-                      <p:stCondLst>
-                        <p:cond delay="indefinite"/>
-                      </p:stCondLst>
-                      <p:childTnLst>
-                        <p:par>
-                          <p:cTn id="4" fill="hold">
-                            <p:stCondLst>
-                              <p:cond delay="0"/>
-                            </p:stCondLst>
-                            <p:childTnLst>
-                              <p:par>
-                                <p:cTn id="5" presetID="2" presetClass="entr" presetSubtype="8" fill="hold" nodeType="clickEffect">
-                                  <p:stCondLst>
-                                    <p:cond delay="0"/>
-                                  </p:stCondLst>
-                                  <p:childTnLst>
-                                    <p:set>
-                                      <p:cBhvr>
-                                        <p:cTn id="6" dur="1" fill="hold">
-                                          <p:stCondLst>
-                                            <p:cond delay="0"/>
-                                          </p:stCondLst>
-                                        </p:cTn>
-                                        <p:tgtEl>
-                                          <p:spTgt spid="2"/>
-                                        </p:tgtEl>
-                                        <p:attrNameLst>
-                                          <p:attrName>style.visibility</p:attrName>
-                                        </p:attrNameLst>
-                                      </p:cBhvr>
-                                      <p:to>
-                                        <p:strVal val="visible"/>
-                                      </p:to>
-                                    </p:set>
-                                    <p:anim calcmode="lin" valueType="num">
-                                      <p:cBhvr additive="base">
-                                        <p:cTn id="7" dur="500" fill="hold"/>
-                                        <p:tgtEl>
-                                          <p:spTgt spid="2"/>
-                                        </p:tgtEl>
-                                        <p:attrNameLst>
-                                          <p:attrName>ppt_x</p:attrName>
-                                        </p:attrNameLst>
-                                      </p:cBhvr>
-                                      <p:tavLst>
-                                        <p:tav tm="0">
-                                          <p:val>
-                                            <p:strVal val="0-#ppt_w/2"/>
-                                          </p:val>
-                                        </p:tav>
-                                        <p:tav tm="100000">
-                                          <p:val>
-                                            <p:strVal val="#ppt_x"/>
-                                          </p:val>
-                                        </p:tav>
-                                      </p:tavLst>
-                                    </p:anim>
-                                    <p:anim calcmode="lin" valueType="num">
-                                      <p:cBhvr additive="base">
-                                        <p:cTn id="8" dur="500" fill="hold"/>
-                                        <p:tgtEl>
-                                          <p:spTgt spid="2"/>
-                                        </p:tgtEl>
-                                        <p:attrNameLst>
-                                          <p:attrName>ppt_y</p:attrName>
-                                        </p:attrNameLst>
-                                      </p:cBhvr>
-                                      <p:tavLst>
-                                        <p:tav tm="0">
-                                          <p:val>
-                                            <p:strVal val="#ppt_y"/>
-                                          </p:val>
-                                        </p:tav>
-                                        <p:tav tm="100000">
-                                          <p:val>
-                                            <p:strVal val="#ppt_y"/>
-                                          </p:val>
-                                        </p:tav>
-                                      </p:tavLst>
-                                    </p:anim>
-                                  </p:childTnLst>
-                                </p:cTn>
-                              </p:par>
-                            </p:childTnLst>
-                          </p:cTn>
-                        </p:par>
-                      </p:childTnLst>
-                    </p:cTn>
-                  </p:par>
-                </p:childTnLst>
-              </p:cTn>
-              <p:prevCondLst>
-                <p:cond evt="onPrev" delay="0">
-                  <p:tgtEl>
-                    <p:sldTgt/>
-                  </p:tgtEl>
-                </p:cond>
-              </p:prevCondLst>
-              <p:nextCondLst>
-                <p:cond evt="onNext" delay="0">
-                  <p:tgtEl>
-                    <p:sldTgt/>
-                  </p:tgtEl>
-                </p:cond>
-              </p:nextCondLst>
-            </p:seq>
-          </p:childTnLst>
-        </p:cTn>
-      </p:par>
-    </p:tnLst>
-  </p:timing>
-</p:sld>
-</file>
-
-<file path=ppt/slides/slide19.xml><?xml version="1.0" encoding="utf-8"?>
-<p:sld xmlns:a="http://schemas.openxmlformats.org/drawingml/2006/main" xmlns:r="http://schemas.openxmlformats.org/officeDocument/2006/relationships" xmlns:p="http://schemas.openxmlformats.org/presentationml/2006/main">
-  <p:cSld>
-    <p:spTree>
-      <p:nvGrpSpPr>
-        <p:cNvPr id="1" name=""/>
-        <p:cNvGrpSpPr/>
-        <p:nvPr/>
-      </p:nvGrpSpPr>
-      <p:grpSpPr>
-        <a:xfrm>
-          <a:off x="0" y="0"/>
-          <a:ext cx="0" cy="0"/>
-          <a:chOff x="0" y="0"/>
-          <a:chExt cx="0" cy="0"/>
-        </a:xfrm>
-      </p:grpSpPr>
-      <p:grpSp>
-        <p:nvGrpSpPr>
-          <p:cNvPr id="13" name="Group 12"/>
-          <p:cNvGrpSpPr/>
-          <p:nvPr/>
-        </p:nvGrpSpPr>
-        <p:grpSpPr>
-          <a:xfrm>
-            <a:off x="886061" y="167148"/>
-            <a:ext cx="10214557" cy="894734"/>
-            <a:chOff x="886061" y="353996"/>
-            <a:chExt cx="10214557" cy="707886"/>
-          </a:xfrm>
-        </p:grpSpPr>
-        <p:grpSp>
-          <p:nvGrpSpPr>
-            <p:cNvPr id="11" name="Group 10"/>
-            <p:cNvGrpSpPr/>
-            <p:nvPr/>
-          </p:nvGrpSpPr>
-          <p:grpSpPr>
-            <a:xfrm>
-              <a:off x="1004050" y="924232"/>
-              <a:ext cx="10096568" cy="137650"/>
-              <a:chOff x="1033548" y="452284"/>
-              <a:chExt cx="10096568" cy="137650"/>
-            </a:xfrm>
-          </p:grpSpPr>
-          <p:sp>
-            <p:nvSpPr>
-              <p:cNvPr id="4" name="Rectangle 3"/>
-              <p:cNvSpPr/>
-              <p:nvPr/>
-            </p:nvSpPr>
-            <p:spPr>
-              <a:xfrm>
-                <a:off x="1033548" y="452284"/>
-                <a:ext cx="10096568" cy="91794"/>
-              </a:xfrm>
-              <a:prstGeom prst="rect">
-                <a:avLst/>
-              </a:prstGeom>
-              <a:solidFill>
-                <a:schemeClr val="accent2"/>
-              </a:solidFill>
-              <a:ln>
-                <a:noFill/>
-              </a:ln>
-            </p:spPr>
-            <p:style>
-              <a:lnRef idx="2">
-                <a:schemeClr val="accent2">
-                  <a:shade val="50000"/>
-                </a:schemeClr>
-              </a:lnRef>
-              <a:fillRef idx="1">
-                <a:schemeClr val="accent2"/>
-              </a:fillRef>
-              <a:effectRef idx="0">
-                <a:schemeClr val="accent2"/>
-              </a:effectRef>
-              <a:fontRef idx="minor">
-                <a:schemeClr val="lt1"/>
-              </a:fontRef>
-            </p:style>
-            <p:txBody>
-              <a:bodyPr rtlCol="0" anchor="ctr"/>
-              <a:lstStyle/>
-              <a:p>
-                <a:endParaRPr lang="en-US" dirty="0"/>
-              </a:p>
-            </p:txBody>
-          </p:sp>
-          <p:cxnSp>
-            <p:nvCxnSpPr>
-              <p:cNvPr id="7" name="Straight Connector 6"/>
-              <p:cNvCxnSpPr/>
-              <p:nvPr/>
-            </p:nvCxnSpPr>
-            <p:spPr>
-              <a:xfrm flipV="1">
-                <a:off x="1033548" y="570269"/>
-                <a:ext cx="10096568" cy="19665"/>
-              </a:xfrm>
-              <a:prstGeom prst="line">
-                <a:avLst/>
-              </a:prstGeom>
-            </p:spPr>
-            <p:style>
-              <a:lnRef idx="1">
-                <a:schemeClr val="accent2"/>
-              </a:lnRef>
-              <a:fillRef idx="0">
-                <a:schemeClr val="accent2"/>
-              </a:fillRef>
-              <a:effectRef idx="0">
-                <a:schemeClr val="accent2"/>
-              </a:effectRef>
-              <a:fontRef idx="minor">
-                <a:schemeClr val="tx1"/>
-              </a:fontRef>
-            </p:style>
-          </p:cxnSp>
-        </p:grpSp>
-        <p:sp>
-          <p:nvSpPr>
-            <p:cNvPr id="12" name="TextBox 11"/>
-            <p:cNvSpPr txBox="1"/>
-            <p:nvPr/>
-          </p:nvSpPr>
-          <p:spPr>
-            <a:xfrm>
-              <a:off x="886061" y="353996"/>
-              <a:ext cx="10214557" cy="560058"/>
-            </a:xfrm>
-            <a:prstGeom prst="rect">
-              <a:avLst/>
-            </a:prstGeom>
-            <a:noFill/>
-          </p:spPr>
-          <p:txBody>
-            <a:bodyPr wrap="square" rtlCol="0">
-              <a:spAutoFit/>
-            </a:bodyPr>
-            <a:lstStyle/>
-            <a:p>
-              <a:r>
-                <a:rPr lang="en-US" sz="4000" b="1" dirty="0" smtClean="0">
-                  <a:solidFill>
-                    <a:schemeClr val="accent2">
-                      <a:lumMod val="75000"/>
-                    </a:schemeClr>
-                  </a:solidFill>
-                </a:rPr>
-                <a:t>Một số giao diện trang web</a:t>
-              </a:r>
-              <a:endParaRPr lang="en-US" sz="4000" b="1" dirty="0">
-                <a:solidFill>
-                  <a:schemeClr val="accent2">
-                    <a:lumMod val="75000"/>
-                  </a:schemeClr>
-                </a:solidFill>
-              </a:endParaRPr>
-            </a:p>
-          </p:txBody>
-        </p:sp>
-      </p:grpSp>
-      <p:grpSp>
-        <p:nvGrpSpPr>
-          <p:cNvPr id="2" name="Group 1"/>
-          <p:cNvGrpSpPr/>
-          <p:nvPr/>
-        </p:nvGrpSpPr>
-        <p:grpSpPr>
-          <a:xfrm>
-            <a:off x="1004050" y="1094986"/>
-            <a:ext cx="10096568" cy="5077037"/>
-            <a:chOff x="1004050" y="1094986"/>
-            <a:chExt cx="10096568" cy="5077037"/>
-          </a:xfrm>
-        </p:grpSpPr>
-        <p:pic>
-          <p:nvPicPr>
-            <p:cNvPr id="8" name="Picture 7"/>
-            <p:cNvPicPr/>
-            <p:nvPr/>
-          </p:nvPicPr>
-          <p:blipFill>
-            <a:blip r:embed="rId3" cstate="print">
-              <a:extLst>
-                <a:ext uri="{28A0092B-C50C-407E-A947-70E740481C1C}">
-                  <a14:useLocalDpi xmlns:a14="http://schemas.microsoft.com/office/drawing/2010/main" val="0"/>
-                </a:ext>
-              </a:extLst>
-            </a:blip>
-            <a:stretch>
-              <a:fillRect/>
-            </a:stretch>
-          </p:blipFill>
-          <p:spPr>
-            <a:xfrm>
-              <a:off x="1004050" y="1094986"/>
-              <a:ext cx="10096568" cy="4707705"/>
-            </a:xfrm>
-            <a:prstGeom prst="rect">
-              <a:avLst/>
-            </a:prstGeom>
-          </p:spPr>
-        </p:pic>
-        <p:sp>
-          <p:nvSpPr>
-            <p:cNvPr id="9" name="TextBox 8"/>
-            <p:cNvSpPr txBox="1"/>
-            <p:nvPr/>
-          </p:nvSpPr>
-          <p:spPr>
-            <a:xfrm>
-              <a:off x="4477539" y="5802691"/>
-              <a:ext cx="3031664" cy="369332"/>
-            </a:xfrm>
-            <a:prstGeom prst="rect">
-              <a:avLst/>
-            </a:prstGeom>
-            <a:noFill/>
-          </p:spPr>
-          <p:txBody>
-            <a:bodyPr wrap="none" rtlCol="0">
-              <a:spAutoFit/>
-            </a:bodyPr>
-            <a:lstStyle/>
-            <a:p>
-              <a:r>
-                <a:rPr lang="en-US" dirty="0" smtClean="0"/>
-                <a:t>Hình 4.1: Giao diện dashboard</a:t>
-              </a:r>
-              <a:endParaRPr lang="en-US" dirty="0"/>
-            </a:p>
-          </p:txBody>
-        </p:sp>
-      </p:grpSp>
-    </p:spTree>
-    <p:extLst>
-      <p:ext uri="{BB962C8B-B14F-4D97-AF65-F5344CB8AC3E}">
-        <p14:creationId xmlns:p14="http://schemas.microsoft.com/office/powerpoint/2010/main" val="425657908"/>
       </p:ext>
     </p:extLst>
   </p:cSld>
@@ -14178,6 +14289,380 @@
         <p:grpSpPr>
           <a:xfrm>
             <a:off x="1004050" y="1094986"/>
+            <a:ext cx="10096568" cy="5077037"/>
+            <a:chOff x="1004050" y="1094986"/>
+            <a:chExt cx="10096568" cy="5077037"/>
+          </a:xfrm>
+        </p:grpSpPr>
+        <p:pic>
+          <p:nvPicPr>
+            <p:cNvPr id="8" name="Picture 7"/>
+            <p:cNvPicPr/>
+            <p:nvPr/>
+          </p:nvPicPr>
+          <p:blipFill>
+            <a:blip r:embed="rId3" cstate="print">
+              <a:extLst>
+                <a:ext uri="{28A0092B-C50C-407E-A947-70E740481C1C}">
+                  <a14:useLocalDpi xmlns:a14="http://schemas.microsoft.com/office/drawing/2010/main" val="0"/>
+                </a:ext>
+              </a:extLst>
+            </a:blip>
+            <a:stretch>
+              <a:fillRect/>
+            </a:stretch>
+          </p:blipFill>
+          <p:spPr>
+            <a:xfrm>
+              <a:off x="1004050" y="1094986"/>
+              <a:ext cx="10096568" cy="4707705"/>
+            </a:xfrm>
+            <a:prstGeom prst="rect">
+              <a:avLst/>
+            </a:prstGeom>
+          </p:spPr>
+        </p:pic>
+        <p:sp>
+          <p:nvSpPr>
+            <p:cNvPr id="9" name="TextBox 8"/>
+            <p:cNvSpPr txBox="1"/>
+            <p:nvPr/>
+          </p:nvSpPr>
+          <p:spPr>
+            <a:xfrm>
+              <a:off x="4477539" y="5802691"/>
+              <a:ext cx="3031664" cy="369332"/>
+            </a:xfrm>
+            <a:prstGeom prst="rect">
+              <a:avLst/>
+            </a:prstGeom>
+            <a:noFill/>
+          </p:spPr>
+          <p:txBody>
+            <a:bodyPr wrap="none" rtlCol="0">
+              <a:spAutoFit/>
+            </a:bodyPr>
+            <a:lstStyle/>
+            <a:p>
+              <a:r>
+                <a:rPr lang="en-US" dirty="0" smtClean="0"/>
+                <a:t>Hình 4.1: Giao diện dashboard</a:t>
+              </a:r>
+              <a:endParaRPr lang="en-US" dirty="0"/>
+            </a:p>
+          </p:txBody>
+        </p:sp>
+      </p:grpSp>
+    </p:spTree>
+    <p:extLst>
+      <p:ext uri="{BB962C8B-B14F-4D97-AF65-F5344CB8AC3E}">
+        <p14:creationId xmlns:p14="http://schemas.microsoft.com/office/powerpoint/2010/main" val="425657908"/>
+      </p:ext>
+    </p:extLst>
+  </p:cSld>
+  <p:clrMapOvr>
+    <a:masterClrMapping/>
+  </p:clrMapOvr>
+  <p:transition>
+    <p:split orient="vert"/>
+  </p:transition>
+  <p:timing>
+    <p:tnLst>
+      <p:par>
+        <p:cTn id="1" dur="indefinite" restart="never" nodeType="tmRoot">
+          <p:childTnLst>
+            <p:seq concurrent="1" nextAc="seek">
+              <p:cTn id="2" dur="indefinite" nodeType="mainSeq">
+                <p:childTnLst>
+                  <p:par>
+                    <p:cTn id="3" fill="hold">
+                      <p:stCondLst>
+                        <p:cond delay="indefinite"/>
+                      </p:stCondLst>
+                      <p:childTnLst>
+                        <p:par>
+                          <p:cTn id="4" fill="hold">
+                            <p:stCondLst>
+                              <p:cond delay="0"/>
+                            </p:stCondLst>
+                            <p:childTnLst>
+                              <p:par>
+                                <p:cTn id="5" presetID="2" presetClass="entr" presetSubtype="8" fill="hold" nodeType="clickEffect">
+                                  <p:stCondLst>
+                                    <p:cond delay="0"/>
+                                  </p:stCondLst>
+                                  <p:childTnLst>
+                                    <p:set>
+                                      <p:cBhvr>
+                                        <p:cTn id="6" dur="1" fill="hold">
+                                          <p:stCondLst>
+                                            <p:cond delay="0"/>
+                                          </p:stCondLst>
+                                        </p:cTn>
+                                        <p:tgtEl>
+                                          <p:spTgt spid="2"/>
+                                        </p:tgtEl>
+                                        <p:attrNameLst>
+                                          <p:attrName>style.visibility</p:attrName>
+                                        </p:attrNameLst>
+                                      </p:cBhvr>
+                                      <p:to>
+                                        <p:strVal val="visible"/>
+                                      </p:to>
+                                    </p:set>
+                                    <p:anim calcmode="lin" valueType="num">
+                                      <p:cBhvr additive="base">
+                                        <p:cTn id="7" dur="500" fill="hold"/>
+                                        <p:tgtEl>
+                                          <p:spTgt spid="2"/>
+                                        </p:tgtEl>
+                                        <p:attrNameLst>
+                                          <p:attrName>ppt_x</p:attrName>
+                                        </p:attrNameLst>
+                                      </p:cBhvr>
+                                      <p:tavLst>
+                                        <p:tav tm="0">
+                                          <p:val>
+                                            <p:strVal val="0-#ppt_w/2"/>
+                                          </p:val>
+                                        </p:tav>
+                                        <p:tav tm="100000">
+                                          <p:val>
+                                            <p:strVal val="#ppt_x"/>
+                                          </p:val>
+                                        </p:tav>
+                                      </p:tavLst>
+                                    </p:anim>
+                                    <p:anim calcmode="lin" valueType="num">
+                                      <p:cBhvr additive="base">
+                                        <p:cTn id="8" dur="500" fill="hold"/>
+                                        <p:tgtEl>
+                                          <p:spTgt spid="2"/>
+                                        </p:tgtEl>
+                                        <p:attrNameLst>
+                                          <p:attrName>ppt_y</p:attrName>
+                                        </p:attrNameLst>
+                                      </p:cBhvr>
+                                      <p:tavLst>
+                                        <p:tav tm="0">
+                                          <p:val>
+                                            <p:strVal val="#ppt_y"/>
+                                          </p:val>
+                                        </p:tav>
+                                        <p:tav tm="100000">
+                                          <p:val>
+                                            <p:strVal val="#ppt_y"/>
+                                          </p:val>
+                                        </p:tav>
+                                      </p:tavLst>
+                                    </p:anim>
+                                  </p:childTnLst>
+                                </p:cTn>
+                              </p:par>
+                            </p:childTnLst>
+                          </p:cTn>
+                        </p:par>
+                      </p:childTnLst>
+                    </p:cTn>
+                  </p:par>
+                </p:childTnLst>
+              </p:cTn>
+              <p:prevCondLst>
+                <p:cond evt="onPrev" delay="0">
+                  <p:tgtEl>
+                    <p:sldTgt/>
+                  </p:tgtEl>
+                </p:cond>
+              </p:prevCondLst>
+              <p:nextCondLst>
+                <p:cond evt="onNext" delay="0">
+                  <p:tgtEl>
+                    <p:sldTgt/>
+                  </p:tgtEl>
+                </p:cond>
+              </p:nextCondLst>
+            </p:seq>
+          </p:childTnLst>
+        </p:cTn>
+      </p:par>
+    </p:tnLst>
+  </p:timing>
+</p:sld>
+</file>
+
+<file path=ppt/slides/slide21.xml><?xml version="1.0" encoding="utf-8"?>
+<p:sld xmlns:a="http://schemas.openxmlformats.org/drawingml/2006/main" xmlns:r="http://schemas.openxmlformats.org/officeDocument/2006/relationships" xmlns:p="http://schemas.openxmlformats.org/presentationml/2006/main">
+  <p:cSld>
+    <p:spTree>
+      <p:nvGrpSpPr>
+        <p:cNvPr id="1" name=""/>
+        <p:cNvGrpSpPr/>
+        <p:nvPr/>
+      </p:nvGrpSpPr>
+      <p:grpSpPr>
+        <a:xfrm>
+          <a:off x="0" y="0"/>
+          <a:ext cx="0" cy="0"/>
+          <a:chOff x="0" y="0"/>
+          <a:chExt cx="0" cy="0"/>
+        </a:xfrm>
+      </p:grpSpPr>
+      <p:grpSp>
+        <p:nvGrpSpPr>
+          <p:cNvPr id="13" name="Group 12"/>
+          <p:cNvGrpSpPr/>
+          <p:nvPr/>
+        </p:nvGrpSpPr>
+        <p:grpSpPr>
+          <a:xfrm>
+            <a:off x="886061" y="167148"/>
+            <a:ext cx="10214557" cy="894734"/>
+            <a:chOff x="886061" y="353996"/>
+            <a:chExt cx="10214557" cy="707886"/>
+          </a:xfrm>
+        </p:grpSpPr>
+        <p:grpSp>
+          <p:nvGrpSpPr>
+            <p:cNvPr id="11" name="Group 10"/>
+            <p:cNvGrpSpPr/>
+            <p:nvPr/>
+          </p:nvGrpSpPr>
+          <p:grpSpPr>
+            <a:xfrm>
+              <a:off x="1004050" y="924232"/>
+              <a:ext cx="10096568" cy="137650"/>
+              <a:chOff x="1033548" y="452284"/>
+              <a:chExt cx="10096568" cy="137650"/>
+            </a:xfrm>
+          </p:grpSpPr>
+          <p:sp>
+            <p:nvSpPr>
+              <p:cNvPr id="4" name="Rectangle 3"/>
+              <p:cNvSpPr/>
+              <p:nvPr/>
+            </p:nvSpPr>
+            <p:spPr>
+              <a:xfrm>
+                <a:off x="1033548" y="452284"/>
+                <a:ext cx="10096568" cy="91794"/>
+              </a:xfrm>
+              <a:prstGeom prst="rect">
+                <a:avLst/>
+              </a:prstGeom>
+              <a:solidFill>
+                <a:schemeClr val="accent2"/>
+              </a:solidFill>
+              <a:ln>
+                <a:noFill/>
+              </a:ln>
+            </p:spPr>
+            <p:style>
+              <a:lnRef idx="2">
+                <a:schemeClr val="accent2">
+                  <a:shade val="50000"/>
+                </a:schemeClr>
+              </a:lnRef>
+              <a:fillRef idx="1">
+                <a:schemeClr val="accent2"/>
+              </a:fillRef>
+              <a:effectRef idx="0">
+                <a:schemeClr val="accent2"/>
+              </a:effectRef>
+              <a:fontRef idx="minor">
+                <a:schemeClr val="lt1"/>
+              </a:fontRef>
+            </p:style>
+            <p:txBody>
+              <a:bodyPr rtlCol="0" anchor="ctr"/>
+              <a:lstStyle/>
+              <a:p>
+                <a:endParaRPr lang="en-US" dirty="0"/>
+              </a:p>
+            </p:txBody>
+          </p:sp>
+          <p:cxnSp>
+            <p:nvCxnSpPr>
+              <p:cNvPr id="7" name="Straight Connector 6"/>
+              <p:cNvCxnSpPr/>
+              <p:nvPr/>
+            </p:nvCxnSpPr>
+            <p:spPr>
+              <a:xfrm flipV="1">
+                <a:off x="1033548" y="570269"/>
+                <a:ext cx="10096568" cy="19665"/>
+              </a:xfrm>
+              <a:prstGeom prst="line">
+                <a:avLst/>
+              </a:prstGeom>
+            </p:spPr>
+            <p:style>
+              <a:lnRef idx="1">
+                <a:schemeClr val="accent2"/>
+              </a:lnRef>
+              <a:fillRef idx="0">
+                <a:schemeClr val="accent2"/>
+              </a:fillRef>
+              <a:effectRef idx="0">
+                <a:schemeClr val="accent2"/>
+              </a:effectRef>
+              <a:fontRef idx="minor">
+                <a:schemeClr val="tx1"/>
+              </a:fontRef>
+            </p:style>
+          </p:cxnSp>
+        </p:grpSp>
+        <p:sp>
+          <p:nvSpPr>
+            <p:cNvPr id="12" name="TextBox 11"/>
+            <p:cNvSpPr txBox="1"/>
+            <p:nvPr/>
+          </p:nvSpPr>
+          <p:spPr>
+            <a:xfrm>
+              <a:off x="886061" y="353996"/>
+              <a:ext cx="10214557" cy="560058"/>
+            </a:xfrm>
+            <a:prstGeom prst="rect">
+              <a:avLst/>
+            </a:prstGeom>
+            <a:noFill/>
+          </p:spPr>
+          <p:txBody>
+            <a:bodyPr wrap="square" rtlCol="0">
+              <a:spAutoFit/>
+            </a:bodyPr>
+            <a:lstStyle/>
+            <a:p>
+              <a:r>
+                <a:rPr lang="en-US" sz="4000" b="1" dirty="0" smtClean="0">
+                  <a:solidFill>
+                    <a:schemeClr val="accent2">
+                      <a:lumMod val="75000"/>
+                    </a:schemeClr>
+                  </a:solidFill>
+                </a:rPr>
+                <a:t>Một số giao diện trang web</a:t>
+              </a:r>
+              <a:endParaRPr lang="en-US" sz="4000" b="1" dirty="0">
+                <a:solidFill>
+                  <a:schemeClr val="accent2">
+                    <a:lumMod val="75000"/>
+                  </a:schemeClr>
+                </a:solidFill>
+              </a:endParaRPr>
+            </a:p>
+          </p:txBody>
+        </p:sp>
+      </p:grpSp>
+      <p:grpSp>
+        <p:nvGrpSpPr>
+          <p:cNvPr id="2" name="Group 1"/>
+          <p:cNvGrpSpPr/>
+          <p:nvPr/>
+        </p:nvGrpSpPr>
+        <p:grpSpPr>
+          <a:xfrm>
+            <a:off x="1004050" y="1094986"/>
             <a:ext cx="10096568" cy="5496019"/>
             <a:chOff x="1004050" y="1094986"/>
             <a:chExt cx="10096568" cy="5496019"/>
@@ -14380,7 +14865,7 @@
 </p:sld>
 </file>
 
-<file path=ppt/slides/slide21.xml><?xml version="1.0" encoding="utf-8"?>
+<file path=ppt/slides/slide22.xml><?xml version="1.0" encoding="utf-8"?>
 <p:sld xmlns:a="http://schemas.openxmlformats.org/drawingml/2006/main" xmlns:r="http://schemas.openxmlformats.org/officeDocument/2006/relationships" xmlns:p="http://schemas.openxmlformats.org/presentationml/2006/main">
   <p:cSld>
     <p:spTree>
@@ -14754,7 +15239,7 @@
 </p:sld>
 </file>
 
-<file path=ppt/slides/slide22.xml><?xml version="1.0" encoding="utf-8"?>
+<file path=ppt/slides/slide23.xml><?xml version="1.0" encoding="utf-8"?>
 <p:sld xmlns:a="http://schemas.openxmlformats.org/drawingml/2006/main" xmlns:r="http://schemas.openxmlformats.org/officeDocument/2006/relationships" xmlns:p="http://schemas.openxmlformats.org/presentationml/2006/main">
   <p:cSld>
     <p:spTree>
@@ -15128,7 +15613,7 @@
 </p:sld>
 </file>
 
-<file path=ppt/slides/slide23.xml><?xml version="1.0" encoding="utf-8"?>
+<file path=ppt/slides/slide24.xml><?xml version="1.0" encoding="utf-8"?>
 <p:sld xmlns:a="http://schemas.openxmlformats.org/drawingml/2006/main" xmlns:r="http://schemas.openxmlformats.org/officeDocument/2006/relationships" xmlns:p="http://schemas.openxmlformats.org/presentationml/2006/main">
   <p:cSld>
     <p:spTree>
@@ -16718,7 +17203,7 @@
 </p:sld>
 </file>
 
-<file path=ppt/slides/slide24.xml><?xml version="1.0" encoding="utf-8"?>
+<file path=ppt/slides/slide25.xml><?xml version="1.0" encoding="utf-8"?>
 <p:sld xmlns:a="http://schemas.openxmlformats.org/drawingml/2006/main" xmlns:r="http://schemas.openxmlformats.org/officeDocument/2006/relationships" xmlns:p="http://schemas.openxmlformats.org/presentationml/2006/main">
   <p:cSld>
     <p:bg>
@@ -18580,8 +19065,8 @@
         </p:nvSpPr>
         <p:spPr>
           <a:xfrm>
-            <a:off x="886060" y="4599685"/>
-            <a:ext cx="4719562" cy="553998"/>
+            <a:off x="886060" y="4147195"/>
+            <a:ext cx="4578497" cy="553998"/>
           </a:xfrm>
           <a:prstGeom prst="rect">
             <a:avLst/>
@@ -18602,7 +19087,7 @@
                   </a:schemeClr>
                 </a:solidFill>
               </a:rPr>
-              <a:t>5</a:t>
+              <a:t>4</a:t>
             </a:r>
             <a:r>
               <a:rPr lang="en-US" sz="3000" dirty="0" smtClean="0">
@@ -18612,7 +19097,17 @@
                   </a:schemeClr>
                 </a:solidFill>
               </a:rPr>
-              <a:t>. Sơ đồ quản lý người dùng</a:t>
+              <a:t>. </a:t>
+            </a:r>
+            <a:r>
+              <a:rPr lang="en-US" sz="3000" dirty="0" smtClean="0">
+                <a:solidFill>
+                  <a:schemeClr val="accent2">
+                    <a:lumMod val="75000"/>
+                  </a:schemeClr>
+                </a:solidFill>
+              </a:rPr>
+              <a:t>Sơ đồ quản lý người dùng</a:t>
             </a:r>
             <a:endParaRPr lang="en-US" sz="3000" dirty="0">
               <a:solidFill>
@@ -18632,7 +19127,7 @@
         </p:nvSpPr>
         <p:spPr>
           <a:xfrm>
-            <a:off x="886060" y="2582003"/>
+            <a:off x="886060" y="2431173"/>
             <a:ext cx="6120202" cy="553998"/>
           </a:xfrm>
           <a:prstGeom prst="rect">
@@ -18684,8 +19179,8 @@
         </p:nvSpPr>
         <p:spPr>
           <a:xfrm>
-            <a:off x="886060" y="3590844"/>
-            <a:ext cx="6562630" cy="553998"/>
+            <a:off x="886060" y="3289184"/>
+            <a:ext cx="6410345" cy="553998"/>
           </a:xfrm>
           <a:prstGeom prst="rect">
             <a:avLst/>
@@ -18706,7 +19201,7 @@
                   </a:schemeClr>
                 </a:solidFill>
               </a:rPr>
-              <a:t>4</a:t>
+              <a:t>3</a:t>
             </a:r>
             <a:r>
               <a:rPr lang="en-US" sz="3000" dirty="0" smtClean="0">
@@ -18716,7 +19211,17 @@
                   </a:schemeClr>
                 </a:solidFill>
               </a:rPr>
-              <a:t>. Sơ đồ hoạt động quá trình đăng nhập</a:t>
+              <a:t>. </a:t>
+            </a:r>
+            <a:r>
+              <a:rPr lang="en-US" sz="3000" dirty="0" smtClean="0">
+                <a:solidFill>
+                  <a:schemeClr val="accent2">
+                    <a:lumMod val="75000"/>
+                  </a:schemeClr>
+                </a:solidFill>
+              </a:rPr>
+              <a:t>Sơ đồ hoạt động quá trình đăng nhập</a:t>
             </a:r>
             <a:endParaRPr lang="en-US" sz="3000" dirty="0">
               <a:solidFill>
@@ -18736,7 +19241,7 @@
         </p:nvSpPr>
         <p:spPr>
           <a:xfrm>
-            <a:off x="886060" y="5608526"/>
+            <a:off x="841273" y="5863217"/>
             <a:ext cx="3570208" cy="553998"/>
           </a:xfrm>
           <a:prstGeom prst="rect">
@@ -18759,6 +19264,68 @@
                 </a:solidFill>
               </a:rPr>
               <a:t>6. Sơ đồ cơ sở dữ liệu</a:t>
+            </a:r>
+            <a:endParaRPr lang="en-US" sz="3000" dirty="0">
+              <a:solidFill>
+                <a:schemeClr val="accent2">
+                  <a:lumMod val="75000"/>
+                </a:schemeClr>
+              </a:solidFill>
+            </a:endParaRPr>
+          </a:p>
+        </p:txBody>
+      </p:sp>
+      <p:sp>
+        <p:nvSpPr>
+          <p:cNvPr id="15" name="TextBox 14"/>
+          <p:cNvSpPr txBox="1"/>
+          <p:nvPr/>
+        </p:nvSpPr>
+        <p:spPr>
+          <a:xfrm>
+            <a:off x="886060" y="5005206"/>
+            <a:ext cx="4962641" cy="553998"/>
+          </a:xfrm>
+          <a:prstGeom prst="rect">
+            <a:avLst/>
+          </a:prstGeom>
+          <a:noFill/>
+        </p:spPr>
+        <p:txBody>
+          <a:bodyPr wrap="none" rtlCol="0">
+            <a:spAutoFit/>
+          </a:bodyPr>
+          <a:lstStyle/>
+          <a:p>
+            <a:r>
+              <a:rPr lang="en-US" sz="3000" dirty="0">
+                <a:solidFill>
+                  <a:schemeClr val="accent2">
+                    <a:lumMod val="75000"/>
+                  </a:schemeClr>
+                </a:solidFill>
+              </a:rPr>
+              <a:t>5</a:t>
+            </a:r>
+            <a:r>
+              <a:rPr lang="en-US" sz="3000" dirty="0" smtClean="0">
+                <a:solidFill>
+                  <a:schemeClr val="accent2">
+                    <a:lumMod val="75000"/>
+                  </a:schemeClr>
+                </a:solidFill>
+              </a:rPr>
+              <a:t>. Sơ đồ </a:t>
+            </a:r>
+            <a:r>
+              <a:rPr lang="en-US" sz="3000" dirty="0" smtClean="0">
+                <a:solidFill>
+                  <a:schemeClr val="accent2">
+                    <a:lumMod val="75000"/>
+                  </a:schemeClr>
+                </a:solidFill>
+              </a:rPr>
+              <a:t>tuần tự xử lý giỏ hàng</a:t>
             </a:r>
             <a:endParaRPr lang="en-US" sz="3000" dirty="0">
               <a:solidFill>
@@ -19082,7 +19649,7 @@
                                           </p:stCondLst>
                                         </p:cTn>
                                         <p:tgtEl>
-                                          <p:spTgt spid="14"/>
+                                          <p:spTgt spid="15"/>
                                         </p:tgtEl>
                                         <p:attrNameLst>
                                           <p:attrName>style.visibility</p:attrName>
@@ -19095,6 +19662,59 @@
                                     <p:animEffect transition="in" filter="barn(inVertical)">
                                       <p:cBhvr>
                                         <p:cTn id="32" dur="500"/>
+                                        <p:tgtEl>
+                                          <p:spTgt spid="15"/>
+                                        </p:tgtEl>
+                                      </p:cBhvr>
+                                    </p:animEffect>
+                                  </p:childTnLst>
+                                </p:cTn>
+                              </p:par>
+                            </p:childTnLst>
+                          </p:cTn>
+                        </p:par>
+                      </p:childTnLst>
+                    </p:cTn>
+                  </p:par>
+                  <p:par>
+                    <p:cTn id="33" fill="hold">
+                      <p:stCondLst>
+                        <p:cond delay="indefinite"/>
+                      </p:stCondLst>
+                      <p:childTnLst>
+                        <p:par>
+                          <p:cTn id="34" fill="hold">
+                            <p:stCondLst>
+                              <p:cond delay="0"/>
+                            </p:stCondLst>
+                            <p:childTnLst>
+                              <p:par>
+                                <p:cTn id="35" presetID="16" presetClass="entr" presetSubtype="21" fill="hold" grpId="0" nodeType="clickEffect">
+                                  <p:stCondLst>
+                                    <p:cond delay="0"/>
+                                  </p:stCondLst>
+                                  <p:childTnLst>
+                                    <p:set>
+                                      <p:cBhvr>
+                                        <p:cTn id="36" dur="1" fill="hold">
+                                          <p:stCondLst>
+                                            <p:cond delay="0"/>
+                                          </p:stCondLst>
+                                        </p:cTn>
+                                        <p:tgtEl>
+                                          <p:spTgt spid="14"/>
+                                        </p:tgtEl>
+                                        <p:attrNameLst>
+                                          <p:attrName>style.visibility</p:attrName>
+                                        </p:attrNameLst>
+                                      </p:cBhvr>
+                                      <p:to>
+                                        <p:strVal val="visible"/>
+                                      </p:to>
+                                    </p:set>
+                                    <p:animEffect transition="in" filter="barn(inVertical)">
+                                      <p:cBhvr>
+                                        <p:cTn id="37" dur="500"/>
                                         <p:tgtEl>
                                           <p:spTgt spid="14"/>
                                         </p:tgtEl>
@@ -19136,6 +19756,7 @@
       <p:bldP spid="9" grpId="0"/>
       <p:bldP spid="10" grpId="0"/>
       <p:bldP spid="14" grpId="0"/>
+      <p:bldP spid="15" grpId="0"/>
     </p:bldLst>
   </p:timing>
 </p:sld>
@@ -19314,9 +19935,9 @@
         <p:grpSpPr>
           <a:xfrm>
             <a:off x="1075307" y="1076439"/>
-            <a:ext cx="10025311" cy="5763014"/>
+            <a:ext cx="10025311" cy="5750867"/>
             <a:chOff x="1004050" y="1094986"/>
-            <a:chExt cx="7439025" cy="5579507"/>
+            <a:chExt cx="7439025" cy="5567747"/>
           </a:xfrm>
         </p:grpSpPr>
         <p:pic>
@@ -19357,8 +19978,8 @@
           </p:nvSpPr>
           <p:spPr>
             <a:xfrm>
-              <a:off x="2942631" y="6305161"/>
-              <a:ext cx="3561874" cy="369332"/>
+              <a:off x="3402069" y="6305161"/>
+              <a:ext cx="2642997" cy="357572"/>
             </a:xfrm>
             <a:prstGeom prst="rect">
               <a:avLst/>
@@ -19374,11 +19995,15 @@
               <a:pPr algn="ctr"/>
               <a:r>
                 <a:rPr lang="en-US" dirty="0" smtClean="0"/>
-                <a:t>Hình 2.4: Sơ đồ </a:t>
+                <a:t>Hình </a:t>
               </a:r>
               <a:r>
                 <a:rPr lang="en-US" dirty="0" smtClean="0"/>
-                <a:t>phân cấp chức năng</a:t>
+                <a:t>2.1: </a:t>
+              </a:r>
+              <a:r>
+                <a:rPr lang="en-US" dirty="0" smtClean="0"/>
+                <a:t>Sơ đồ phân cấp chức năng</a:t>
               </a:r>
               <a:endParaRPr lang="en-US" dirty="0"/>
             </a:p>
@@ -19709,10 +20334,10 @@
         </p:nvGrpSpPr>
         <p:grpSpPr>
           <a:xfrm>
-            <a:off x="3161546" y="1094986"/>
-            <a:ext cx="5781575" cy="5763014"/>
-            <a:chOff x="3928034" y="785812"/>
-            <a:chExt cx="4335931" cy="5688811"/>
+            <a:off x="3397881" y="1094986"/>
+            <a:ext cx="5308906" cy="5758197"/>
+            <a:chOff x="4105275" y="785812"/>
+            <a:chExt cx="3981450" cy="5684056"/>
           </a:xfrm>
         </p:grpSpPr>
         <p:pic>
@@ -19753,8 +20378,8 @@
           </p:nvSpPr>
           <p:spPr>
             <a:xfrm>
-              <a:off x="3928034" y="6105291"/>
-              <a:ext cx="4335931" cy="369332"/>
+              <a:off x="4470118" y="6105291"/>
+              <a:ext cx="3251761" cy="364577"/>
             </a:xfrm>
             <a:prstGeom prst="rect">
               <a:avLst/>
@@ -19770,11 +20395,15 @@
               <a:pPr algn="ctr"/>
               <a:r>
                 <a:rPr lang="en-US" dirty="0" smtClean="0"/>
-                <a:t>Hình 2.4: Sơ đồ </a:t>
+                <a:t>Hình </a:t>
               </a:r>
               <a:r>
                 <a:rPr lang="en-US" dirty="0" smtClean="0"/>
-                <a:t>hoạt động quá trình đăng ký</a:t>
+                <a:t>2.2: </a:t>
+              </a:r>
+              <a:r>
+                <a:rPr lang="en-US" dirty="0" smtClean="0"/>
+                <a:t>Sơ đồ hoạt động quá trình đăng ký</a:t>
               </a:r>
               <a:endParaRPr lang="en-US" dirty="0"/>
             </a:p>
@@ -20136,11 +20765,15 @@
               <a:pPr algn="ctr"/>
               <a:r>
                 <a:rPr lang="en-US" dirty="0" smtClean="0"/>
-                <a:t>Hình 2.4: Sơ đồ </a:t>
+                <a:t>Hình </a:t>
               </a:r>
               <a:r>
                 <a:rPr lang="en-US" dirty="0" smtClean="0"/>
-                <a:t>hoạt động quá trình đăng nhập</a:t>
+                <a:t>2.3: </a:t>
+              </a:r>
+              <a:r>
+                <a:rPr lang="en-US" dirty="0" smtClean="0"/>
+                <a:t>Sơ đồ hoạt động quá trình đăng nhập</a:t>
               </a:r>
               <a:endParaRPr lang="en-US" dirty="0"/>
             </a:p>
@@ -20545,7 +21178,7 @@
           </p:nvSpPr>
           <p:spPr>
             <a:xfrm>
-              <a:off x="2617755" y="5021281"/>
+              <a:off x="2617752" y="5021281"/>
               <a:ext cx="3501280" cy="369332"/>
             </a:xfrm>
             <a:prstGeom prst="rect">
@@ -20562,11 +21195,7 @@
               <a:pPr algn="ctr"/>
               <a:r>
                 <a:rPr lang="en-US" dirty="0" smtClean="0"/>
-                <a:t>Hình 2.4: Sơ đồ </a:t>
-              </a:r>
-              <a:r>
-                <a:rPr lang="en-US" dirty="0" smtClean="0"/>
-                <a:t>quản lý người dùng</a:t>
+                <a:t>Hình 2.4: Sơ đồ quản lý người dùng</a:t>
               </a:r>
               <a:endParaRPr lang="en-US" dirty="0"/>
             </a:p>
@@ -20876,7 +21505,17 @@
                     </a:schemeClr>
                   </a:solidFill>
                 </a:rPr>
-                <a:t>6. Sơ đồ cơ sở dữ liệu</a:t>
+                <a:t>5. Sơ đồ </a:t>
+              </a:r>
+              <a:r>
+                <a:rPr lang="en-US" sz="4000" b="1" dirty="0" smtClean="0">
+                  <a:solidFill>
+                    <a:schemeClr val="accent2">
+                      <a:lumMod val="75000"/>
+                    </a:schemeClr>
+                  </a:solidFill>
+                </a:rPr>
+                <a:t>tuần tự xử lý giỏ hàng</a:t>
               </a:r>
               <a:endParaRPr lang="en-US" sz="4000" b="1" dirty="0">
                 <a:solidFill>
@@ -20891,21 +21530,21 @@
       </p:grpSp>
       <p:grpSp>
         <p:nvGrpSpPr>
-          <p:cNvPr id="5" name="Group 4"/>
+          <p:cNvPr id="8" name="Group 7"/>
           <p:cNvGrpSpPr/>
           <p:nvPr/>
         </p:nvGrpSpPr>
         <p:grpSpPr>
           <a:xfrm>
-            <a:off x="1004050" y="1061882"/>
-            <a:ext cx="10096568" cy="5640576"/>
-            <a:chOff x="1004050" y="1061882"/>
-            <a:chExt cx="10096568" cy="5132865"/>
+            <a:off x="1004050" y="1247774"/>
+            <a:ext cx="10096568" cy="5456199"/>
+            <a:chOff x="1004050" y="1247774"/>
+            <a:chExt cx="10096568" cy="5456199"/>
           </a:xfrm>
         </p:grpSpPr>
         <p:pic>
           <p:nvPicPr>
-            <p:cNvPr id="3" name="Picture 2"/>
+            <p:cNvPr id="2" name="Picture 1"/>
             <p:cNvPicPr>
               <a:picLocks noChangeAspect="1"/>
             </p:cNvPicPr>
@@ -20925,8 +21564,8 @@
           </p:blipFill>
           <p:spPr>
             <a:xfrm>
-              <a:off x="1004050" y="1061882"/>
-              <a:ext cx="10096568" cy="4726176"/>
+              <a:off x="1004050" y="1247774"/>
+              <a:ext cx="10096568" cy="5085641"/>
             </a:xfrm>
             <a:prstGeom prst="rect">
               <a:avLst/>
@@ -20935,34 +21574,41 @@
         </p:pic>
         <p:sp>
           <p:nvSpPr>
-            <p:cNvPr id="14" name="TextBox 13"/>
-            <p:cNvSpPr txBox="1"/>
+            <p:cNvPr id="6" name="Rectangle 5"/>
+            <p:cNvSpPr/>
             <p:nvPr/>
           </p:nvSpPr>
           <p:spPr>
             <a:xfrm>
-              <a:off x="4464957" y="5825415"/>
-              <a:ext cx="2893421" cy="369332"/>
+              <a:off x="3966317" y="6334641"/>
+              <a:ext cx="3731471" cy="369332"/>
             </a:xfrm>
             <a:prstGeom prst="rect">
               <a:avLst/>
             </a:prstGeom>
-            <a:noFill/>
           </p:spPr>
           <p:txBody>
-            <a:bodyPr wrap="none" rtlCol="0">
+            <a:bodyPr wrap="none">
               <a:spAutoFit/>
             </a:bodyPr>
             <a:lstStyle/>
             <a:p>
               <a:pPr algn="ctr"/>
               <a:r>
-                <a:rPr lang="en-US" dirty="0" smtClean="0"/>
-                <a:t>Hình 2.4: Sơ đồ </a:t>
+                <a:rPr lang="en-US" dirty="0"/>
+                <a:t>Hình </a:t>
               </a:r>
               <a:r>
                 <a:rPr lang="en-US" dirty="0" smtClean="0"/>
-                <a:t>cơ sở dữ liệu</a:t>
+                <a:t>2.5: </a:t>
+              </a:r>
+              <a:r>
+                <a:rPr lang="en-US" dirty="0"/>
+                <a:t>Sơ đồ </a:t>
+              </a:r>
+              <a:r>
+                <a:rPr lang="en-US" dirty="0" smtClean="0"/>
+                <a:t>tuần tự xử lý giỏ hàng</a:t>
               </a:r>
               <a:endParaRPr lang="en-US" dirty="0"/>
             </a:p>
@@ -20972,7 +21618,7 @@
     </p:spTree>
     <p:extLst>
       <p:ext uri="{BB962C8B-B14F-4D97-AF65-F5344CB8AC3E}">
-        <p14:creationId xmlns:p14="http://schemas.microsoft.com/office/powerpoint/2010/main" val="1759246604"/>
+        <p14:creationId xmlns:p14="http://schemas.microsoft.com/office/powerpoint/2010/main" val="286043656"/>
       </p:ext>
     </p:extLst>
   </p:cSld>
@@ -21069,7 +21715,7 @@
                                           </p:stCondLst>
                                         </p:cTn>
                                         <p:tgtEl>
-                                          <p:spTgt spid="5"/>
+                                          <p:spTgt spid="8"/>
                                         </p:tgtEl>
                                         <p:attrNameLst>
                                           <p:attrName>style.visibility</p:attrName>
@@ -21083,7 +21729,7 @@
                                       <p:cBhvr>
                                         <p:cTn id="12" dur="500"/>
                                         <p:tgtEl>
-                                          <p:spTgt spid="5"/>
+                                          <p:spTgt spid="8"/>
                                         </p:tgtEl>
                                       </p:cBhvr>
                                     </p:animEffect>

--- a/CD19CNTT2-NgoXuanTrung.pptx
+++ b/CD19CNTT2-NgoXuanTrung.pptx
@@ -235,7 +235,7 @@
           <a:p>
             <a:fld id="{B9205E6E-9268-4112-BA91-9B80BFCA0DFF}" type="datetimeFigureOut">
               <a:rPr lang="en-US" smtClean="0"/>
-              <a:t>8/6/2022</a:t>
+              <a:t>8/9/2022</a:t>
             </a:fld>
             <a:endParaRPr lang="en-US"/>
           </a:p>
@@ -2650,7 +2650,7 @@
           <a:p>
             <a:fld id="{A13B956D-72AD-45A2-8171-D780678DD726}" type="datetimeFigureOut">
               <a:rPr lang="en-US" smtClean="0"/>
-              <a:t>8/6/2022</a:t>
+              <a:t>8/9/2022</a:t>
             </a:fld>
             <a:endParaRPr lang="en-US"/>
           </a:p>
@@ -2823,7 +2823,7 @@
           <a:p>
             <a:fld id="{A13B956D-72AD-45A2-8171-D780678DD726}" type="datetimeFigureOut">
               <a:rPr lang="en-US" smtClean="0"/>
-              <a:t>8/6/2022</a:t>
+              <a:t>8/9/2022</a:t>
             </a:fld>
             <a:endParaRPr lang="en-US"/>
           </a:p>
@@ -3006,7 +3006,7 @@
           <a:p>
             <a:fld id="{A13B956D-72AD-45A2-8171-D780678DD726}" type="datetimeFigureOut">
               <a:rPr lang="en-US" smtClean="0"/>
-              <a:t>8/6/2022</a:t>
+              <a:t>8/9/2022</a:t>
             </a:fld>
             <a:endParaRPr lang="en-US"/>
           </a:p>
@@ -3179,7 +3179,7 @@
           <a:p>
             <a:fld id="{A13B956D-72AD-45A2-8171-D780678DD726}" type="datetimeFigureOut">
               <a:rPr lang="en-US" smtClean="0"/>
-              <a:t>8/6/2022</a:t>
+              <a:t>8/9/2022</a:t>
             </a:fld>
             <a:endParaRPr lang="en-US"/>
           </a:p>
@@ -3428,7 +3428,7 @@
           <a:p>
             <a:fld id="{A13B956D-72AD-45A2-8171-D780678DD726}" type="datetimeFigureOut">
               <a:rPr lang="en-US" smtClean="0"/>
-              <a:t>8/6/2022</a:t>
+              <a:t>8/9/2022</a:t>
             </a:fld>
             <a:endParaRPr lang="en-US"/>
           </a:p>
@@ -3663,7 +3663,7 @@
           <a:p>
             <a:fld id="{A13B956D-72AD-45A2-8171-D780678DD726}" type="datetimeFigureOut">
               <a:rPr lang="en-US" smtClean="0"/>
-              <a:t>8/6/2022</a:t>
+              <a:t>8/9/2022</a:t>
             </a:fld>
             <a:endParaRPr lang="en-US"/>
           </a:p>
@@ -4033,7 +4033,7 @@
           <a:p>
             <a:fld id="{A13B956D-72AD-45A2-8171-D780678DD726}" type="datetimeFigureOut">
               <a:rPr lang="en-US" smtClean="0"/>
-              <a:t>8/6/2022</a:t>
+              <a:t>8/9/2022</a:t>
             </a:fld>
             <a:endParaRPr lang="en-US"/>
           </a:p>
@@ -4154,7 +4154,7 @@
           <a:p>
             <a:fld id="{A13B956D-72AD-45A2-8171-D780678DD726}" type="datetimeFigureOut">
               <a:rPr lang="en-US" smtClean="0"/>
-              <a:t>8/6/2022</a:t>
+              <a:t>8/9/2022</a:t>
             </a:fld>
             <a:endParaRPr lang="en-US"/>
           </a:p>
@@ -4252,7 +4252,7 @@
           <a:p>
             <a:fld id="{A13B956D-72AD-45A2-8171-D780678DD726}" type="datetimeFigureOut">
               <a:rPr lang="en-US" smtClean="0"/>
-              <a:t>8/6/2022</a:t>
+              <a:t>8/9/2022</a:t>
             </a:fld>
             <a:endParaRPr lang="en-US"/>
           </a:p>
@@ -4532,7 +4532,7 @@
           <a:p>
             <a:fld id="{A13B956D-72AD-45A2-8171-D780678DD726}" type="datetimeFigureOut">
               <a:rPr lang="en-US" smtClean="0"/>
-              <a:t>8/6/2022</a:t>
+              <a:t>8/9/2022</a:t>
             </a:fld>
             <a:endParaRPr lang="en-US"/>
           </a:p>
@@ -4788,7 +4788,7 @@
           <a:p>
             <a:fld id="{A13B956D-72AD-45A2-8171-D780678DD726}" type="datetimeFigureOut">
               <a:rPr lang="en-US" smtClean="0"/>
-              <a:t>8/6/2022</a:t>
+              <a:t>8/9/2022</a:t>
             </a:fld>
             <a:endParaRPr lang="en-US"/>
           </a:p>
@@ -5004,7 +5004,7 @@
           <a:p>
             <a:fld id="{A13B956D-72AD-45A2-8171-D780678DD726}" type="datetimeFigureOut">
               <a:rPr lang="en-US" smtClean="0"/>
-              <a:t>8/6/2022</a:t>
+              <a:t>8/9/2022</a:t>
             </a:fld>
             <a:endParaRPr lang="en-US"/>
           </a:p>
@@ -6590,15 +6590,7 @@
               <a:pPr algn="ctr"/>
               <a:r>
                 <a:rPr lang="en-US" dirty="0" smtClean="0"/>
-                <a:t>Hình </a:t>
-              </a:r>
-              <a:r>
-                <a:rPr lang="en-US" dirty="0" smtClean="0"/>
-                <a:t>2.6: </a:t>
-              </a:r>
-              <a:r>
-                <a:rPr lang="en-US" dirty="0" smtClean="0"/>
-                <a:t>Sơ đồ cơ sở dữ liệu</a:t>
+                <a:t>Hình 2.6: Sơ đồ cơ sở dữ liệu</a:t>
               </a:r>
               <a:endParaRPr lang="en-US" dirty="0"/>
             </a:p>
@@ -11326,7 +11318,15 @@
               <a:pPr algn="ctr"/>
               <a:r>
                 <a:rPr lang="en-US" dirty="0" smtClean="0"/>
-                <a:t>Hình 4.1: Giao diện đăng nhập</a:t>
+                <a:t>Hình </a:t>
+              </a:r>
+              <a:r>
+                <a:rPr lang="en-US" dirty="0" smtClean="0"/>
+                <a:t>4.2: </a:t>
+              </a:r>
+              <a:r>
+                <a:rPr lang="en-US" dirty="0" smtClean="0"/>
+                <a:t>Giao diện đăng nhập</a:t>
               </a:r>
               <a:endParaRPr lang="en-US" dirty="0"/>
             </a:p>
@@ -11701,7 +11701,15 @@
               <a:pPr algn="ctr"/>
               <a:r>
                 <a:rPr lang="en-US" dirty="0" smtClean="0"/>
-                <a:t>Hình 4.1: Giao diện trang chủ</a:t>
+                <a:t>Hình </a:t>
+              </a:r>
+              <a:r>
+                <a:rPr lang="en-US" dirty="0" smtClean="0"/>
+                <a:t>4.3: </a:t>
+              </a:r>
+              <a:r>
+                <a:rPr lang="en-US" dirty="0" smtClean="0"/>
+                <a:t>Giao diện trang chủ</a:t>
               </a:r>
               <a:endParaRPr lang="en-US" dirty="0"/>
             </a:p>
@@ -12076,7 +12084,15 @@
               <a:pPr algn="ctr"/>
               <a:r>
                 <a:rPr lang="en-US" dirty="0" smtClean="0"/>
-                <a:t>Hình 4.1: Giao diện trang danh mục sản phẩm</a:t>
+                <a:t>Hình </a:t>
+              </a:r>
+              <a:r>
+                <a:rPr lang="en-US" dirty="0" smtClean="0"/>
+                <a:t>4.4: </a:t>
+              </a:r>
+              <a:r>
+                <a:rPr lang="en-US" dirty="0" smtClean="0"/>
+                <a:t>Giao diện trang danh mục sản phẩm</a:t>
               </a:r>
               <a:endParaRPr lang="en-US" dirty="0"/>
             </a:p>
@@ -12451,7 +12467,15 @@
               <a:pPr algn="ctr"/>
               <a:r>
                 <a:rPr lang="en-US" dirty="0" smtClean="0"/>
-                <a:t>Hình 4.1: Giao diện chi tiết sản phẩm</a:t>
+                <a:t>Hình </a:t>
+              </a:r>
+              <a:r>
+                <a:rPr lang="en-US" dirty="0" smtClean="0"/>
+                <a:t>4.5: </a:t>
+              </a:r>
+              <a:r>
+                <a:rPr lang="en-US" dirty="0" smtClean="0"/>
+                <a:t>Giao diện chi tiết sản phẩm</a:t>
               </a:r>
               <a:endParaRPr lang="en-US" dirty="0"/>
             </a:p>
@@ -12826,7 +12850,15 @@
               <a:pPr algn="ctr"/>
               <a:r>
                 <a:rPr lang="en-US" dirty="0" smtClean="0"/>
-                <a:t>Hình 4.1: Giao diện trang giỏ hàng</a:t>
+                <a:t>Hình </a:t>
+              </a:r>
+              <a:r>
+                <a:rPr lang="en-US" dirty="0" smtClean="0"/>
+                <a:t>4.6: </a:t>
+              </a:r>
+              <a:r>
+                <a:rPr lang="en-US" dirty="0" smtClean="0"/>
+                <a:t>Giao diện trang giỏ hàng</a:t>
               </a:r>
               <a:endParaRPr lang="en-US" dirty="0"/>
             </a:p>
@@ -13200,7 +13232,15 @@
             <a:p>
               <a:r>
                 <a:rPr lang="en-US" dirty="0" smtClean="0"/>
-                <a:t>Hình 4.1: Giao diện trang thanh toán</a:t>
+                <a:t>Hình </a:t>
+              </a:r>
+              <a:r>
+                <a:rPr lang="en-US" dirty="0" smtClean="0"/>
+                <a:t>4.7: </a:t>
+              </a:r>
+              <a:r>
+                <a:rPr lang="en-US" dirty="0" smtClean="0"/>
+                <a:t>Giao diện trang thanh toán</a:t>
               </a:r>
               <a:endParaRPr lang="en-US" dirty="0"/>
             </a:p>
@@ -13474,7 +13514,7 @@
           <p:spPr>
             <a:xfrm>
               <a:off x="886061" y="353996"/>
-              <a:ext cx="4698661" cy="707886"/>
+              <a:ext cx="4698661" cy="560058"/>
             </a:xfrm>
             <a:prstGeom prst="rect">
               <a:avLst/>
@@ -13495,7 +13535,17 @@
                     </a:schemeClr>
                   </a:solidFill>
                 </a:rPr>
-                <a:t>Nội dung khóa luận</a:t>
+                <a:t>Nội </a:t>
+              </a:r>
+              <a:r>
+                <a:rPr lang="en-US" sz="4000" b="1" dirty="0" smtClean="0">
+                  <a:solidFill>
+                    <a:schemeClr val="accent2">
+                      <a:lumMod val="75000"/>
+                    </a:schemeClr>
+                  </a:solidFill>
+                </a:rPr>
+                <a:t>dung đề tài</a:t>
               </a:r>
               <a:endParaRPr lang="en-US" sz="4000" b="1" dirty="0">
                 <a:solidFill>
@@ -13548,7 +13598,27 @@
                   </a:schemeClr>
                 </a:solidFill>
               </a:rPr>
-              <a:t>. Lý do chọn đề tài, mục đích và yêu cầu của khóa luận </a:t>
+              <a:t>. Lý do chọn đề tài, mục đích và yêu cầu của </a:t>
+            </a:r>
+            <a:r>
+              <a:rPr lang="en-US" sz="3000" dirty="0" smtClean="0">
+                <a:solidFill>
+                  <a:schemeClr val="accent2">
+                    <a:lumMod val="75000"/>
+                  </a:schemeClr>
+                </a:solidFill>
+              </a:rPr>
+              <a:t>đề tài</a:t>
+            </a:r>
+            <a:r>
+              <a:rPr lang="en-US" sz="3000" dirty="0" smtClean="0">
+                <a:solidFill>
+                  <a:schemeClr val="accent2">
+                    <a:lumMod val="75000"/>
+                  </a:schemeClr>
+                </a:solidFill>
+              </a:rPr>
+              <a:t> </a:t>
             </a:r>
             <a:endParaRPr lang="en-US" sz="3000" dirty="0">
               <a:solidFill>
@@ -14346,7 +14416,15 @@
             <a:p>
               <a:r>
                 <a:rPr lang="en-US" dirty="0" smtClean="0"/>
-                <a:t>Hình 4.1: Giao diện dashboard</a:t>
+                <a:t>Hình </a:t>
+              </a:r>
+              <a:r>
+                <a:rPr lang="en-US" dirty="0" smtClean="0"/>
+                <a:t>4.8: </a:t>
+              </a:r>
+              <a:r>
+                <a:rPr lang="en-US" dirty="0" smtClean="0"/>
+                <a:t>Giao diện dashboard</a:t>
               </a:r>
               <a:endParaRPr lang="en-US" dirty="0"/>
             </a:p>
@@ -14721,7 +14799,15 @@
               <a:pPr algn="ctr"/>
               <a:r>
                 <a:rPr lang="en-US" dirty="0" smtClean="0"/>
-                <a:t>Hình 4.1: Giao diện trang danh sách sản phẩm</a:t>
+                <a:t>Hình </a:t>
+              </a:r>
+              <a:r>
+                <a:rPr lang="en-US" dirty="0" smtClean="0"/>
+                <a:t>4.9: </a:t>
+              </a:r>
+              <a:r>
+                <a:rPr lang="en-US" dirty="0" smtClean="0"/>
+                <a:t>Giao diện trang danh sách sản phẩm</a:t>
               </a:r>
               <a:endParaRPr lang="en-US" dirty="0"/>
             </a:p>
@@ -15080,7 +15166,7 @@
           <p:spPr>
             <a:xfrm>
               <a:off x="4477539" y="6385561"/>
-              <a:ext cx="3887667" cy="369332"/>
+              <a:ext cx="4004686" cy="369332"/>
             </a:xfrm>
             <a:prstGeom prst="rect">
               <a:avLst/>
@@ -15095,7 +15181,15 @@
             <a:p>
               <a:r>
                 <a:rPr lang="en-US" dirty="0" smtClean="0"/>
-                <a:t>Hình 4.1: Giao diện trang sửa sản phẩm</a:t>
+                <a:t>Hình </a:t>
+              </a:r>
+              <a:r>
+                <a:rPr lang="en-US" dirty="0" smtClean="0"/>
+                <a:t>4.10: </a:t>
+              </a:r>
+              <a:r>
+                <a:rPr lang="en-US" dirty="0" smtClean="0"/>
+                <a:t>Giao diện trang sửa sản phẩm</a:t>
               </a:r>
               <a:endParaRPr lang="en-US" dirty="0"/>
             </a:p>
@@ -15454,7 +15548,7 @@
           <p:spPr>
             <a:xfrm>
               <a:off x="4536534" y="6396606"/>
-              <a:ext cx="4046364" cy="369332"/>
+              <a:ext cx="4163384" cy="369332"/>
             </a:xfrm>
             <a:prstGeom prst="rect">
               <a:avLst/>
@@ -15469,7 +15563,15 @@
             <a:p>
               <a:r>
                 <a:rPr lang="en-US" dirty="0" smtClean="0"/>
-                <a:t>Hình 4.1: Giao diện trang thêm sản phẩm</a:t>
+                <a:t>Hình </a:t>
+              </a:r>
+              <a:r>
+                <a:rPr lang="en-US" dirty="0" smtClean="0"/>
+                <a:t>4.11: </a:t>
+              </a:r>
+              <a:r>
+                <a:rPr lang="en-US" dirty="0" smtClean="0"/>
+                <a:t>Giao diện trang thêm sản phẩm</a:t>
               </a:r>
               <a:endParaRPr lang="en-US" dirty="0"/>
             </a:p>
@@ -19097,17 +19199,7 @@
                   </a:schemeClr>
                 </a:solidFill>
               </a:rPr>
-              <a:t>. </a:t>
-            </a:r>
-            <a:r>
-              <a:rPr lang="en-US" sz="3000" dirty="0" smtClean="0">
-                <a:solidFill>
-                  <a:schemeClr val="accent2">
-                    <a:lumMod val="75000"/>
-                  </a:schemeClr>
-                </a:solidFill>
-              </a:rPr>
-              <a:t>Sơ đồ quản lý người dùng</a:t>
+              <a:t>. Sơ đồ quản lý người dùng</a:t>
             </a:r>
             <a:endParaRPr lang="en-US" sz="3000" dirty="0">
               <a:solidFill>
@@ -19211,17 +19303,7 @@
                   </a:schemeClr>
                 </a:solidFill>
               </a:rPr>
-              <a:t>. </a:t>
-            </a:r>
-            <a:r>
-              <a:rPr lang="en-US" sz="3000" dirty="0" smtClean="0">
-                <a:solidFill>
-                  <a:schemeClr val="accent2">
-                    <a:lumMod val="75000"/>
-                  </a:schemeClr>
-                </a:solidFill>
-              </a:rPr>
-              <a:t>Sơ đồ hoạt động quá trình đăng nhập</a:t>
+              <a:t>. Sơ đồ hoạt động quá trình đăng nhập</a:t>
             </a:r>
             <a:endParaRPr lang="en-US" sz="3000" dirty="0">
               <a:solidFill>
@@ -19315,17 +19397,7 @@
                   </a:schemeClr>
                 </a:solidFill>
               </a:rPr>
-              <a:t>. Sơ đồ </a:t>
-            </a:r>
-            <a:r>
-              <a:rPr lang="en-US" sz="3000" dirty="0" smtClean="0">
-                <a:solidFill>
-                  <a:schemeClr val="accent2">
-                    <a:lumMod val="75000"/>
-                  </a:schemeClr>
-                </a:solidFill>
-              </a:rPr>
-              <a:t>tuần tự xử lý giỏ hàng</a:t>
+              <a:t>. Sơ đồ tuần tự xử lý giỏ hàng</a:t>
             </a:r>
             <a:endParaRPr lang="en-US" sz="3000" dirty="0">
               <a:solidFill>
@@ -19995,15 +20067,7 @@
               <a:pPr algn="ctr"/>
               <a:r>
                 <a:rPr lang="en-US" dirty="0" smtClean="0"/>
-                <a:t>Hình </a:t>
-              </a:r>
-              <a:r>
-                <a:rPr lang="en-US" dirty="0" smtClean="0"/>
-                <a:t>2.1: </a:t>
-              </a:r>
-              <a:r>
-                <a:rPr lang="en-US" dirty="0" smtClean="0"/>
-                <a:t>Sơ đồ phân cấp chức năng</a:t>
+                <a:t>Hình 2.1: Sơ đồ phân cấp chức năng</a:t>
               </a:r>
               <a:endParaRPr lang="en-US" dirty="0"/>
             </a:p>
@@ -20395,15 +20459,7 @@
               <a:pPr algn="ctr"/>
               <a:r>
                 <a:rPr lang="en-US" dirty="0" smtClean="0"/>
-                <a:t>Hình </a:t>
-              </a:r>
-              <a:r>
-                <a:rPr lang="en-US" dirty="0" smtClean="0"/>
-                <a:t>2.2: </a:t>
-              </a:r>
-              <a:r>
-                <a:rPr lang="en-US" dirty="0" smtClean="0"/>
-                <a:t>Sơ đồ hoạt động quá trình đăng ký</a:t>
+                <a:t>Hình 2.2: Sơ đồ hoạt động quá trình đăng ký</a:t>
               </a:r>
               <a:endParaRPr lang="en-US" dirty="0"/>
             </a:p>
@@ -20765,15 +20821,7 @@
               <a:pPr algn="ctr"/>
               <a:r>
                 <a:rPr lang="en-US" dirty="0" smtClean="0"/>
-                <a:t>Hình </a:t>
-              </a:r>
-              <a:r>
-                <a:rPr lang="en-US" dirty="0" smtClean="0"/>
-                <a:t>2.3: </a:t>
-              </a:r>
-              <a:r>
-                <a:rPr lang="en-US" dirty="0" smtClean="0"/>
-                <a:t>Sơ đồ hoạt động quá trình đăng nhập</a:t>
+                <a:t>Hình 2.3: Sơ đồ hoạt động quá trình đăng nhập</a:t>
               </a:r>
               <a:endParaRPr lang="en-US" dirty="0"/>
             </a:p>
@@ -21505,17 +21553,7 @@
                     </a:schemeClr>
                   </a:solidFill>
                 </a:rPr>
-                <a:t>5. Sơ đồ </a:t>
-              </a:r>
-              <a:r>
-                <a:rPr lang="en-US" sz="4000" b="1" dirty="0" smtClean="0">
-                  <a:solidFill>
-                    <a:schemeClr val="accent2">
-                      <a:lumMod val="75000"/>
-                    </a:schemeClr>
-                  </a:solidFill>
-                </a:rPr>
-                <a:t>tuần tự xử lý giỏ hàng</a:t>
+                <a:t>5. Sơ đồ tuần tự xử lý giỏ hàng</a:t>
               </a:r>
               <a:endParaRPr lang="en-US" sz="4000" b="1" dirty="0">
                 <a:solidFill>
